--- a/documentacao/user-stories.pptx
+++ b/documentacao/user-stories.pptx
@@ -4,14 +4,18 @@
   <p:sldMasterIdLst>
     <p:sldMasterId id="2147483648" r:id="rId1"/>
   </p:sldMasterIdLst>
+  <p:notesMasterIdLst>
+    <p:notesMasterId r:id="rId4"/>
+  </p:notesMasterIdLst>
   <p:sldIdLst>
-    <p:sldId id="256" r:id="rId2"/>
+    <p:sldId id="260" r:id="rId2"/>
+    <p:sldId id="262" r:id="rId3"/>
   </p:sldIdLst>
   <p:sldSz cx="12192000" cy="6858000"/>
   <p:notesSz cx="6858000" cy="9144000"/>
   <p:defaultTextStyle>
     <a:defPPr>
-      <a:defRPr lang="pt-BR"/>
+      <a:defRPr lang="en-US"/>
     </a:defPPr>
     <a:lvl1pPr marL="0" algn="l" defTabSz="914400" rtl="0" eaLnBrk="1" latinLnBrk="0" hangingPunct="1">
       <a:defRPr sz="1800" kern="1200">
@@ -112,9 +116,14 @@
 </p:presentation>
 </file>
 
-<file path=ppt/slideLayouts/slideLayout1.xml><?xml version="1.0" encoding="utf-8"?>
-<p:sldLayout xmlns:a="http://schemas.openxmlformats.org/drawingml/2006/main" xmlns:r="http://schemas.openxmlformats.org/officeDocument/2006/relationships" xmlns:p="http://schemas.openxmlformats.org/presentationml/2006/main" type="title" preserve="1">
-  <p:cSld name="Slide de Título">
+<file path=ppt/notesMasters/notesMaster1.xml><?xml version="1.0" encoding="utf-8"?>
+<p:notesMaster xmlns:a="http://schemas.openxmlformats.org/drawingml/2006/main" xmlns:r="http://schemas.openxmlformats.org/officeDocument/2006/relationships" xmlns:p="http://schemas.openxmlformats.org/presentationml/2006/main">
+  <p:cSld>
+    <p:bg>
+      <p:bgRef idx="1001">
+        <a:schemeClr val="bg1"/>
+      </p:bgRef>
+    </p:bg>
     <p:spTree>
       <p:nvGrpSpPr>
         <p:cNvPr id="1" name=""/>
@@ -131,182 +140,334 @@
       </p:grpSpPr>
       <p:sp>
         <p:nvSpPr>
-          <p:cNvPr id="2" name="Título 1"/>
-          <p:cNvSpPr>
-            <a:spLocks noGrp="1"/>
-          </p:cNvSpPr>
-          <p:nvPr>
-            <p:ph type="ctrTitle"/>
+          <p:cNvPr id="2" name="Header Placeholder 1"/>
+          <p:cNvSpPr>
+            <a:spLocks noGrp="1"/>
+          </p:cNvSpPr>
+          <p:nvPr>
+            <p:ph type="hdr" sz="quarter"/>
           </p:nvPr>
         </p:nvSpPr>
         <p:spPr>
           <a:xfrm>
-            <a:off x="1524000" y="1122363"/>
-            <a:ext cx="9144000" cy="2387600"/>
+            <a:off x="0" y="0"/>
+            <a:ext cx="2971800" cy="458788"/>
           </a:xfrm>
+          <a:prstGeom prst="rect">
+            <a:avLst/>
+          </a:prstGeom>
         </p:spPr>
         <p:txBody>
-          <a:bodyPr anchor="b"/>
+          <a:bodyPr vert="horz" lIns="91440" tIns="45720" rIns="91440" bIns="45720" rtlCol="0"/>
           <a:lstStyle>
-            <a:lvl1pPr algn="ctr">
-              <a:defRPr sz="6000"/>
+            <a:lvl1pPr algn="l">
+              <a:defRPr sz="1200"/>
             </a:lvl1pPr>
           </a:lstStyle>
           <a:p>
-            <a:r>
-              <a:rPr lang="pt-BR" smtClean="0"/>
-              <a:t>Clique para editar o título mestre</a:t>
-            </a:r>
-            <a:endParaRPr lang="pt-BR"/>
-          </a:p>
-        </p:txBody>
-      </p:sp>
-      <p:sp>
-        <p:nvSpPr>
-          <p:cNvPr id="3" name="Subtítulo 2"/>
-          <p:cNvSpPr>
-            <a:spLocks noGrp="1"/>
-          </p:cNvSpPr>
-          <p:nvPr>
-            <p:ph type="subTitle" idx="1"/>
+            <a:endParaRPr lang="en-US" dirty="0"/>
+          </a:p>
+        </p:txBody>
+      </p:sp>
+      <p:sp>
+        <p:nvSpPr>
+          <p:cNvPr id="3" name="Date Placeholder 2"/>
+          <p:cNvSpPr>
+            <a:spLocks noGrp="1"/>
+          </p:cNvSpPr>
+          <p:nvPr>
+            <p:ph type="dt" idx="1"/>
           </p:nvPr>
         </p:nvSpPr>
         <p:spPr>
           <a:xfrm>
-            <a:off x="1524000" y="3602038"/>
-            <a:ext cx="9144000" cy="1655762"/>
+            <a:off x="3884613" y="0"/>
+            <a:ext cx="2971800" cy="458788"/>
           </a:xfrm>
+          <a:prstGeom prst="rect">
+            <a:avLst/>
+          </a:prstGeom>
         </p:spPr>
         <p:txBody>
-          <a:bodyPr/>
+          <a:bodyPr vert="horz" lIns="91440" tIns="45720" rIns="91440" bIns="45720" rtlCol="0"/>
           <a:lstStyle>
-            <a:lvl1pPr marL="0" indent="0" algn="ctr">
-              <a:buNone/>
-              <a:defRPr sz="2400"/>
+            <a:lvl1pPr algn="r">
+              <a:defRPr sz="1200"/>
             </a:lvl1pPr>
-            <a:lvl2pPr marL="457200" indent="0" algn="ctr">
-              <a:buNone/>
-              <a:defRPr sz="2000"/>
-            </a:lvl2pPr>
-            <a:lvl3pPr marL="914400" indent="0" algn="ctr">
-              <a:buNone/>
-              <a:defRPr sz="1800"/>
-            </a:lvl3pPr>
-            <a:lvl4pPr marL="1371600" indent="0" algn="ctr">
-              <a:buNone/>
-              <a:defRPr sz="1600"/>
-            </a:lvl4pPr>
-            <a:lvl5pPr marL="1828800" indent="0" algn="ctr">
-              <a:buNone/>
-              <a:defRPr sz="1600"/>
-            </a:lvl5pPr>
-            <a:lvl6pPr marL="2286000" indent="0" algn="ctr">
-              <a:buNone/>
-              <a:defRPr sz="1600"/>
-            </a:lvl6pPr>
-            <a:lvl7pPr marL="2743200" indent="0" algn="ctr">
-              <a:buNone/>
-              <a:defRPr sz="1600"/>
-            </a:lvl7pPr>
-            <a:lvl8pPr marL="3200400" indent="0" algn="ctr">
-              <a:buNone/>
-              <a:defRPr sz="1600"/>
-            </a:lvl8pPr>
-            <a:lvl9pPr marL="3657600" indent="0" algn="ctr">
-              <a:buNone/>
-              <a:defRPr sz="1600"/>
-            </a:lvl9pPr>
           </a:lstStyle>
           <a:p>
-            <a:r>
-              <a:rPr lang="pt-BR" smtClean="0"/>
-              <a:t>Clique para editar o estilo do subtítulo Mestre</a:t>
-            </a:r>
-            <a:endParaRPr lang="pt-BR"/>
-          </a:p>
-        </p:txBody>
-      </p:sp>
-      <p:sp>
-        <p:nvSpPr>
-          <p:cNvPr id="4" name="Espaço Reservado para Data 3"/>
-          <p:cNvSpPr>
-            <a:spLocks noGrp="1"/>
-          </p:cNvSpPr>
-          <p:nvPr>
-            <p:ph type="dt" sz="half" idx="10"/>
-          </p:nvPr>
-        </p:nvSpPr>
-        <p:spPr/>
-        <p:txBody>
-          <a:bodyPr/>
-          <a:lstStyle/>
-          <a:p>
-            <a:fld id="{4B194036-8B57-45A4-855C-473967FBDB3B}" type="datetimeFigureOut">
-              <a:rPr lang="pt-BR" smtClean="0"/>
-              <a:t>09/09/2019</a:t>
+            <a:fld id="{5E6F26B2-A334-48CB-9EC7-2B5C35AF4E44}" type="datetimeFigureOut">
+              <a:rPr lang="en-US" smtClean="0"/>
+              <a:t>9/11/2019</a:t>
             </a:fld>
-            <a:endParaRPr lang="pt-BR"/>
-          </a:p>
-        </p:txBody>
-      </p:sp>
-      <p:sp>
-        <p:nvSpPr>
-          <p:cNvPr id="5" name="Espaço Reservado para Rodapé 4"/>
-          <p:cNvSpPr>
-            <a:spLocks noGrp="1"/>
-          </p:cNvSpPr>
-          <p:nvPr>
-            <p:ph type="ftr" sz="quarter" idx="11"/>
-          </p:nvPr>
-        </p:nvSpPr>
-        <p:spPr/>
-        <p:txBody>
-          <a:bodyPr/>
-          <a:lstStyle/>
-          <a:p>
-            <a:endParaRPr lang="pt-BR"/>
-          </a:p>
-        </p:txBody>
-      </p:sp>
-      <p:sp>
-        <p:nvSpPr>
-          <p:cNvPr id="6" name="Espaço Reservado para Número de Slide 5"/>
-          <p:cNvSpPr>
-            <a:spLocks noGrp="1"/>
-          </p:cNvSpPr>
-          <p:nvPr>
-            <p:ph type="sldNum" sz="quarter" idx="12"/>
-          </p:nvPr>
-        </p:nvSpPr>
-        <p:spPr/>
-        <p:txBody>
-          <a:bodyPr/>
-          <a:lstStyle/>
-          <a:p>
-            <a:fld id="{B8E7513E-4E88-4CC7-B7E9-A330A735BD2A}" type="slidenum">
-              <a:rPr lang="pt-BR" smtClean="0"/>
+            <a:endParaRPr lang="en-US" dirty="0"/>
+          </a:p>
+        </p:txBody>
+      </p:sp>
+      <p:sp>
+        <p:nvSpPr>
+          <p:cNvPr id="4" name="Slide Image Placeholder 3"/>
+          <p:cNvSpPr>
+            <a:spLocks noGrp="1" noRot="1" noChangeAspect="1"/>
+          </p:cNvSpPr>
+          <p:nvPr>
+            <p:ph type="sldImg" idx="2"/>
+          </p:nvPr>
+        </p:nvSpPr>
+        <p:spPr>
+          <a:xfrm>
+            <a:off x="685800" y="1143000"/>
+            <a:ext cx="5486400" cy="3086100"/>
+          </a:xfrm>
+          <a:prstGeom prst="rect">
+            <a:avLst/>
+          </a:prstGeom>
+          <a:noFill/>
+          <a:ln w="12700">
+            <a:solidFill>
+              <a:prstClr val="black"/>
+            </a:solidFill>
+          </a:ln>
+        </p:spPr>
+        <p:txBody>
+          <a:bodyPr vert="horz" lIns="91440" tIns="45720" rIns="91440" bIns="45720" rtlCol="0" anchor="ctr"/>
+          <a:lstStyle/>
+          <a:p>
+            <a:endParaRPr lang="en-US" dirty="0"/>
+          </a:p>
+        </p:txBody>
+      </p:sp>
+      <p:sp>
+        <p:nvSpPr>
+          <p:cNvPr id="5" name="Notes Placeholder 4"/>
+          <p:cNvSpPr>
+            <a:spLocks noGrp="1"/>
+          </p:cNvSpPr>
+          <p:nvPr>
+            <p:ph type="body" sz="quarter" idx="3"/>
+          </p:nvPr>
+        </p:nvSpPr>
+        <p:spPr>
+          <a:xfrm>
+            <a:off x="685800" y="4400550"/>
+            <a:ext cx="5486400" cy="3600450"/>
+          </a:xfrm>
+          <a:prstGeom prst="rect">
+            <a:avLst/>
+          </a:prstGeom>
+        </p:spPr>
+        <p:txBody>
+          <a:bodyPr vert="horz" lIns="91440" tIns="45720" rIns="91440" bIns="45720" rtlCol="0"/>
+          <a:lstStyle/>
+          <a:p>
+            <a:pPr lvl="0"/>
+            <a:r>
+              <a:rPr lang="en-US"/>
+              <a:t>Edit Master text styles</a:t>
+            </a:r>
+          </a:p>
+          <a:p>
+            <a:pPr lvl="1"/>
+            <a:r>
+              <a:rPr lang="en-US"/>
+              <a:t>Second level</a:t>
+            </a:r>
+          </a:p>
+          <a:p>
+            <a:pPr lvl="2"/>
+            <a:r>
+              <a:rPr lang="en-US"/>
+              <a:t>Third level</a:t>
+            </a:r>
+          </a:p>
+          <a:p>
+            <a:pPr lvl="3"/>
+            <a:r>
+              <a:rPr lang="en-US"/>
+              <a:t>Fourth level</a:t>
+            </a:r>
+          </a:p>
+          <a:p>
+            <a:pPr lvl="4"/>
+            <a:r>
+              <a:rPr lang="en-US"/>
+              <a:t>Fifth level</a:t>
+            </a:r>
+          </a:p>
+        </p:txBody>
+      </p:sp>
+      <p:sp>
+        <p:nvSpPr>
+          <p:cNvPr id="6" name="Footer Placeholder 5"/>
+          <p:cNvSpPr>
+            <a:spLocks noGrp="1"/>
+          </p:cNvSpPr>
+          <p:nvPr>
+            <p:ph type="ftr" sz="quarter" idx="4"/>
+          </p:nvPr>
+        </p:nvSpPr>
+        <p:spPr>
+          <a:xfrm>
+            <a:off x="0" y="8685213"/>
+            <a:ext cx="2971800" cy="458787"/>
+          </a:xfrm>
+          <a:prstGeom prst="rect">
+            <a:avLst/>
+          </a:prstGeom>
+        </p:spPr>
+        <p:txBody>
+          <a:bodyPr vert="horz" lIns="91440" tIns="45720" rIns="91440" bIns="45720" rtlCol="0" anchor="b"/>
+          <a:lstStyle>
+            <a:lvl1pPr algn="l">
+              <a:defRPr sz="1200"/>
+            </a:lvl1pPr>
+          </a:lstStyle>
+          <a:p>
+            <a:endParaRPr lang="en-US" dirty="0"/>
+          </a:p>
+        </p:txBody>
+      </p:sp>
+      <p:sp>
+        <p:nvSpPr>
+          <p:cNvPr id="7" name="Slide Number Placeholder 6"/>
+          <p:cNvSpPr>
+            <a:spLocks noGrp="1"/>
+          </p:cNvSpPr>
+          <p:nvPr>
+            <p:ph type="sldNum" sz="quarter" idx="5"/>
+          </p:nvPr>
+        </p:nvSpPr>
+        <p:spPr>
+          <a:xfrm>
+            <a:off x="3884613" y="8685213"/>
+            <a:ext cx="2971800" cy="458787"/>
+          </a:xfrm>
+          <a:prstGeom prst="rect">
+            <a:avLst/>
+          </a:prstGeom>
+        </p:spPr>
+        <p:txBody>
+          <a:bodyPr vert="horz" lIns="91440" tIns="45720" rIns="91440" bIns="45720" rtlCol="0" anchor="b"/>
+          <a:lstStyle>
+            <a:lvl1pPr algn="r">
+              <a:defRPr sz="1200"/>
+            </a:lvl1pPr>
+          </a:lstStyle>
+          <a:p>
+            <a:fld id="{9DD52C0D-EA9D-45E2-A905-27ECF9FDA683}" type="slidenum">
+              <a:rPr lang="en-US" smtClean="0"/>
               <a:t>‹nº›</a:t>
             </a:fld>
-            <a:endParaRPr lang="pt-BR"/>
+            <a:endParaRPr lang="en-US" dirty="0"/>
           </a:p>
         </p:txBody>
       </p:sp>
     </p:spTree>
     <p:extLst>
       <p:ext uri="{BB962C8B-B14F-4D97-AF65-F5344CB8AC3E}">
-        <p14:creationId xmlns:p14="http://schemas.microsoft.com/office/powerpoint/2010/main" val="1947973107"/>
+        <p14:creationId xmlns:p14="http://schemas.microsoft.com/office/powerpoint/2010/main" val="3770870572"/>
       </p:ext>
     </p:extLst>
   </p:cSld>
-  <p:clrMapOvr>
-    <a:masterClrMapping/>
-  </p:clrMapOvr>
-</p:sldLayout>
+  <p:clrMap bg1="lt1" tx1="dk1" bg2="lt2" tx2="dk2" accent1="accent1" accent2="accent2" accent3="accent3" accent4="accent4" accent5="accent5" accent6="accent6" hlink="hlink" folHlink="folHlink"/>
+  <p:notesStyle>
+    <a:lvl1pPr marL="0" algn="l" defTabSz="914400" rtl="0" eaLnBrk="1" latinLnBrk="0" hangingPunct="1">
+      <a:defRPr sz="1200" kern="1200">
+        <a:solidFill>
+          <a:schemeClr val="tx1"/>
+        </a:solidFill>
+        <a:latin typeface="+mn-lt"/>
+        <a:ea typeface="+mn-ea"/>
+        <a:cs typeface="+mn-cs"/>
+      </a:defRPr>
+    </a:lvl1pPr>
+    <a:lvl2pPr marL="457200" algn="l" defTabSz="914400" rtl="0" eaLnBrk="1" latinLnBrk="0" hangingPunct="1">
+      <a:defRPr sz="1200" kern="1200">
+        <a:solidFill>
+          <a:schemeClr val="tx1"/>
+        </a:solidFill>
+        <a:latin typeface="+mn-lt"/>
+        <a:ea typeface="+mn-ea"/>
+        <a:cs typeface="+mn-cs"/>
+      </a:defRPr>
+    </a:lvl2pPr>
+    <a:lvl3pPr marL="914400" algn="l" defTabSz="914400" rtl="0" eaLnBrk="1" latinLnBrk="0" hangingPunct="1">
+      <a:defRPr sz="1200" kern="1200">
+        <a:solidFill>
+          <a:schemeClr val="tx1"/>
+        </a:solidFill>
+        <a:latin typeface="+mn-lt"/>
+        <a:ea typeface="+mn-ea"/>
+        <a:cs typeface="+mn-cs"/>
+      </a:defRPr>
+    </a:lvl3pPr>
+    <a:lvl4pPr marL="1371600" algn="l" defTabSz="914400" rtl="0" eaLnBrk="1" latinLnBrk="0" hangingPunct="1">
+      <a:defRPr sz="1200" kern="1200">
+        <a:solidFill>
+          <a:schemeClr val="tx1"/>
+        </a:solidFill>
+        <a:latin typeface="+mn-lt"/>
+        <a:ea typeface="+mn-ea"/>
+        <a:cs typeface="+mn-cs"/>
+      </a:defRPr>
+    </a:lvl4pPr>
+    <a:lvl5pPr marL="1828800" algn="l" defTabSz="914400" rtl="0" eaLnBrk="1" latinLnBrk="0" hangingPunct="1">
+      <a:defRPr sz="1200" kern="1200">
+        <a:solidFill>
+          <a:schemeClr val="tx1"/>
+        </a:solidFill>
+        <a:latin typeface="+mn-lt"/>
+        <a:ea typeface="+mn-ea"/>
+        <a:cs typeface="+mn-cs"/>
+      </a:defRPr>
+    </a:lvl5pPr>
+    <a:lvl6pPr marL="2286000" algn="l" defTabSz="914400" rtl="0" eaLnBrk="1" latinLnBrk="0" hangingPunct="1">
+      <a:defRPr sz="1200" kern="1200">
+        <a:solidFill>
+          <a:schemeClr val="tx1"/>
+        </a:solidFill>
+        <a:latin typeface="+mn-lt"/>
+        <a:ea typeface="+mn-ea"/>
+        <a:cs typeface="+mn-cs"/>
+      </a:defRPr>
+    </a:lvl6pPr>
+    <a:lvl7pPr marL="2743200" algn="l" defTabSz="914400" rtl="0" eaLnBrk="1" latinLnBrk="0" hangingPunct="1">
+      <a:defRPr sz="1200" kern="1200">
+        <a:solidFill>
+          <a:schemeClr val="tx1"/>
+        </a:solidFill>
+        <a:latin typeface="+mn-lt"/>
+        <a:ea typeface="+mn-ea"/>
+        <a:cs typeface="+mn-cs"/>
+      </a:defRPr>
+    </a:lvl7pPr>
+    <a:lvl8pPr marL="3200400" algn="l" defTabSz="914400" rtl="0" eaLnBrk="1" latinLnBrk="0" hangingPunct="1">
+      <a:defRPr sz="1200" kern="1200">
+        <a:solidFill>
+          <a:schemeClr val="tx1"/>
+        </a:solidFill>
+        <a:latin typeface="+mn-lt"/>
+        <a:ea typeface="+mn-ea"/>
+        <a:cs typeface="+mn-cs"/>
+      </a:defRPr>
+    </a:lvl8pPr>
+    <a:lvl9pPr marL="3657600" algn="l" defTabSz="914400" rtl="0" eaLnBrk="1" latinLnBrk="0" hangingPunct="1">
+      <a:defRPr sz="1200" kern="1200">
+        <a:solidFill>
+          <a:schemeClr val="tx1"/>
+        </a:solidFill>
+        <a:latin typeface="+mn-lt"/>
+        <a:ea typeface="+mn-ea"/>
+        <a:cs typeface="+mn-cs"/>
+      </a:defRPr>
+    </a:lvl9pPr>
+  </p:notesStyle>
+</p:notesMaster>
 </file>
 
-<file path=ppt/slideLayouts/slideLayout10.xml><?xml version="1.0" encoding="utf-8"?>
-<p:sldLayout xmlns:a="http://schemas.openxmlformats.org/drawingml/2006/main" xmlns:r="http://schemas.openxmlformats.org/officeDocument/2006/relationships" xmlns:p="http://schemas.openxmlformats.org/presentationml/2006/main" type="vertTx" preserve="1">
-  <p:cSld name="Título e Texto Vertical">
+<file path=ppt/slideLayouts/slideLayout1.xml><?xml version="1.0" encoding="utf-8"?>
+<p:sldLayout xmlns:a="http://schemas.openxmlformats.org/drawingml/2006/main" xmlns:r="http://schemas.openxmlformats.org/officeDocument/2006/relationships" xmlns:p="http://schemas.openxmlformats.org/presentationml/2006/main" type="title" preserve="1">
+  <p:cSld name="Title Slide">
     <p:spTree>
       <p:nvGrpSpPr>
         <p:cNvPr id="1" name=""/>
@@ -323,12 +484,107 @@
       </p:grpSpPr>
       <p:sp>
         <p:nvSpPr>
-          <p:cNvPr id="2" name="Título 1"/>
-          <p:cNvSpPr>
-            <a:spLocks noGrp="1"/>
-          </p:cNvSpPr>
-          <p:nvPr>
-            <p:ph type="title"/>
+          <p:cNvPr id="2" name="Title 1"/>
+          <p:cNvSpPr>
+            <a:spLocks noGrp="1"/>
+          </p:cNvSpPr>
+          <p:nvPr>
+            <p:ph type="ctrTitle"/>
+          </p:nvPr>
+        </p:nvSpPr>
+        <p:spPr>
+          <a:xfrm>
+            <a:off x="1524000" y="1122363"/>
+            <a:ext cx="9144000" cy="2387600"/>
+          </a:xfrm>
+        </p:spPr>
+        <p:txBody>
+          <a:bodyPr anchor="b"/>
+          <a:lstStyle>
+            <a:lvl1pPr algn="ctr">
+              <a:defRPr sz="6000"/>
+            </a:lvl1pPr>
+          </a:lstStyle>
+          <a:p>
+            <a:r>
+              <a:rPr lang="en-US"/>
+              <a:t>Click to edit Master title style</a:t>
+            </a:r>
+          </a:p>
+        </p:txBody>
+      </p:sp>
+      <p:sp>
+        <p:nvSpPr>
+          <p:cNvPr id="3" name="Subtitle 2"/>
+          <p:cNvSpPr>
+            <a:spLocks noGrp="1"/>
+          </p:cNvSpPr>
+          <p:nvPr>
+            <p:ph type="subTitle" idx="1"/>
+          </p:nvPr>
+        </p:nvSpPr>
+        <p:spPr>
+          <a:xfrm>
+            <a:off x="1524000" y="3602038"/>
+            <a:ext cx="9144000" cy="1655762"/>
+          </a:xfrm>
+        </p:spPr>
+        <p:txBody>
+          <a:bodyPr/>
+          <a:lstStyle>
+            <a:lvl1pPr marL="0" indent="0" algn="ctr">
+              <a:buNone/>
+              <a:defRPr sz="2400"/>
+            </a:lvl1pPr>
+            <a:lvl2pPr marL="457200" indent="0" algn="ctr">
+              <a:buNone/>
+              <a:defRPr sz="2000"/>
+            </a:lvl2pPr>
+            <a:lvl3pPr marL="914400" indent="0" algn="ctr">
+              <a:buNone/>
+              <a:defRPr sz="1800"/>
+            </a:lvl3pPr>
+            <a:lvl4pPr marL="1371600" indent="0" algn="ctr">
+              <a:buNone/>
+              <a:defRPr sz="1600"/>
+            </a:lvl4pPr>
+            <a:lvl5pPr marL="1828800" indent="0" algn="ctr">
+              <a:buNone/>
+              <a:defRPr sz="1600"/>
+            </a:lvl5pPr>
+            <a:lvl6pPr marL="2286000" indent="0" algn="ctr">
+              <a:buNone/>
+              <a:defRPr sz="1600"/>
+            </a:lvl6pPr>
+            <a:lvl7pPr marL="2743200" indent="0" algn="ctr">
+              <a:buNone/>
+              <a:defRPr sz="1600"/>
+            </a:lvl7pPr>
+            <a:lvl8pPr marL="3200400" indent="0" algn="ctr">
+              <a:buNone/>
+              <a:defRPr sz="1600"/>
+            </a:lvl8pPr>
+            <a:lvl9pPr marL="3657600" indent="0" algn="ctr">
+              <a:buNone/>
+              <a:defRPr sz="1600"/>
+            </a:lvl9pPr>
+          </a:lstStyle>
+          <a:p>
+            <a:r>
+              <a:rPr lang="en-US"/>
+              <a:t>Click to edit Master subtitle style</a:t>
+            </a:r>
+          </a:p>
+        </p:txBody>
+      </p:sp>
+      <p:sp>
+        <p:nvSpPr>
+          <p:cNvPr id="4" name="Date Placeholder 3"/>
+          <p:cNvSpPr>
+            <a:spLocks noGrp="1"/>
+          </p:cNvSpPr>
+          <p:nvPr>
+            <p:ph type="dt" sz="half" idx="10"/>
           </p:nvPr>
         </p:nvSpPr>
         <p:spPr/>
@@ -336,74 +592,41 @@
           <a:bodyPr/>
           <a:lstStyle/>
           <a:p>
-            <a:r>
-              <a:rPr lang="pt-BR" smtClean="0"/>
-              <a:t>Clique para editar o título mestre</a:t>
-            </a:r>
-            <a:endParaRPr lang="pt-BR"/>
-          </a:p>
-        </p:txBody>
-      </p:sp>
-      <p:sp>
-        <p:nvSpPr>
-          <p:cNvPr id="3" name="Espaço Reservado para Texto Vertical 2"/>
-          <p:cNvSpPr>
-            <a:spLocks noGrp="1"/>
-          </p:cNvSpPr>
-          <p:nvPr>
-            <p:ph type="body" orient="vert" idx="1"/>
+            <a:fld id="{884CF14B-2803-492F-8958-8EDD28B417D2}" type="datetimeFigureOut">
+              <a:rPr lang="en-US" smtClean="0"/>
+              <a:t>9/11/2019</a:t>
+            </a:fld>
+            <a:endParaRPr lang="en-US" dirty="0"/>
+          </a:p>
+        </p:txBody>
+      </p:sp>
+      <p:sp>
+        <p:nvSpPr>
+          <p:cNvPr id="5" name="Footer Placeholder 4"/>
+          <p:cNvSpPr>
+            <a:spLocks noGrp="1"/>
+          </p:cNvSpPr>
+          <p:nvPr>
+            <p:ph type="ftr" sz="quarter" idx="11"/>
           </p:nvPr>
         </p:nvSpPr>
         <p:spPr/>
         <p:txBody>
-          <a:bodyPr vert="eaVert"/>
-          <a:lstStyle/>
-          <a:p>
-            <a:pPr lvl="0"/>
-            <a:r>
-              <a:rPr lang="pt-BR" smtClean="0"/>
-              <a:t>Editar estilos de texto Mestre</a:t>
-            </a:r>
-          </a:p>
-          <a:p>
-            <a:pPr lvl="1"/>
-            <a:r>
-              <a:rPr lang="pt-BR" smtClean="0"/>
-              <a:t>Segundo nível</a:t>
-            </a:r>
-          </a:p>
-          <a:p>
-            <a:pPr lvl="2"/>
-            <a:r>
-              <a:rPr lang="pt-BR" smtClean="0"/>
-              <a:t>Terceiro nível</a:t>
-            </a:r>
-          </a:p>
-          <a:p>
-            <a:pPr lvl="3"/>
-            <a:r>
-              <a:rPr lang="pt-BR" smtClean="0"/>
-              <a:t>Quarto nível</a:t>
-            </a:r>
-          </a:p>
-          <a:p>
-            <a:pPr lvl="4"/>
-            <a:r>
-              <a:rPr lang="pt-BR" smtClean="0"/>
-              <a:t>Quinto nível</a:t>
-            </a:r>
-            <a:endParaRPr lang="pt-BR"/>
-          </a:p>
-        </p:txBody>
-      </p:sp>
-      <p:sp>
-        <p:nvSpPr>
-          <p:cNvPr id="4" name="Espaço Reservado para Data 3"/>
-          <p:cNvSpPr>
-            <a:spLocks noGrp="1"/>
-          </p:cNvSpPr>
-          <p:nvPr>
-            <p:ph type="dt" sz="half" idx="10"/>
+          <a:bodyPr/>
+          <a:lstStyle/>
+          <a:p>
+            <a:endParaRPr lang="en-US" dirty="0"/>
+          </a:p>
+        </p:txBody>
+      </p:sp>
+      <p:sp>
+        <p:nvSpPr>
+          <p:cNvPr id="6" name="Slide Number Placeholder 5"/>
+          <p:cNvSpPr>
+            <a:spLocks noGrp="1"/>
+          </p:cNvSpPr>
+          <p:nvPr>
+            <p:ph type="sldNum" sz="quarter" idx="12"/>
           </p:nvPr>
         </p:nvSpPr>
         <p:spPr/>
@@ -411,60 +634,18 @@
           <a:bodyPr/>
           <a:lstStyle/>
           <a:p>
-            <a:fld id="{4B194036-8B57-45A4-855C-473967FBDB3B}" type="datetimeFigureOut">
-              <a:rPr lang="pt-BR" smtClean="0"/>
-              <a:t>09/09/2019</a:t>
-            </a:fld>
-            <a:endParaRPr lang="pt-BR"/>
-          </a:p>
-        </p:txBody>
-      </p:sp>
-      <p:sp>
-        <p:nvSpPr>
-          <p:cNvPr id="5" name="Espaço Reservado para Rodapé 4"/>
-          <p:cNvSpPr>
-            <a:spLocks noGrp="1"/>
-          </p:cNvSpPr>
-          <p:nvPr>
-            <p:ph type="ftr" sz="quarter" idx="11"/>
-          </p:nvPr>
-        </p:nvSpPr>
-        <p:spPr/>
-        <p:txBody>
-          <a:bodyPr/>
-          <a:lstStyle/>
-          <a:p>
-            <a:endParaRPr lang="pt-BR"/>
-          </a:p>
-        </p:txBody>
-      </p:sp>
-      <p:sp>
-        <p:nvSpPr>
-          <p:cNvPr id="6" name="Espaço Reservado para Número de Slide 5"/>
-          <p:cNvSpPr>
-            <a:spLocks noGrp="1"/>
-          </p:cNvSpPr>
-          <p:nvPr>
-            <p:ph type="sldNum" sz="quarter" idx="12"/>
-          </p:nvPr>
-        </p:nvSpPr>
-        <p:spPr/>
-        <p:txBody>
-          <a:bodyPr/>
-          <a:lstStyle/>
-          <a:p>
-            <a:fld id="{B8E7513E-4E88-4CC7-B7E9-A330A735BD2A}" type="slidenum">
-              <a:rPr lang="pt-BR" smtClean="0"/>
+            <a:fld id="{B2936822-2815-4A98-B8E1-2BBE0B69F322}" type="slidenum">
+              <a:rPr lang="en-US" smtClean="0"/>
               <a:t>‹nº›</a:t>
             </a:fld>
-            <a:endParaRPr lang="pt-BR"/>
+            <a:endParaRPr lang="en-US" dirty="0"/>
           </a:p>
         </p:txBody>
       </p:sp>
     </p:spTree>
     <p:extLst>
       <p:ext uri="{BB962C8B-B14F-4D97-AF65-F5344CB8AC3E}">
-        <p14:creationId xmlns:p14="http://schemas.microsoft.com/office/powerpoint/2010/main" val="3071385616"/>
+        <p14:creationId xmlns:p14="http://schemas.microsoft.com/office/powerpoint/2010/main" val="317066182"/>
       </p:ext>
     </p:extLst>
   </p:cSld>
@@ -474,9 +655,9 @@
 </p:sldLayout>
 </file>
 
-<file path=ppt/slideLayouts/slideLayout11.xml><?xml version="1.0" encoding="utf-8"?>
-<p:sldLayout xmlns:a="http://schemas.openxmlformats.org/drawingml/2006/main" xmlns:r="http://schemas.openxmlformats.org/officeDocument/2006/relationships" xmlns:p="http://schemas.openxmlformats.org/presentationml/2006/main" type="vertTitleAndTx" preserve="1">
-  <p:cSld name="Texto e Título Vertical">
+<file path=ppt/slideLayouts/slideLayout10.xml><?xml version="1.0" encoding="utf-8"?>
+<p:sldLayout xmlns:a="http://schemas.openxmlformats.org/drawingml/2006/main" xmlns:r="http://schemas.openxmlformats.org/officeDocument/2006/relationships" xmlns:p="http://schemas.openxmlformats.org/presentationml/2006/main" type="vertTx" preserve="1">
+  <p:cSld name="Title and Vertical Text">
     <p:spTree>
       <p:nvGrpSpPr>
         <p:cNvPr id="1" name=""/>
@@ -493,92 +674,80 @@
       </p:grpSpPr>
       <p:sp>
         <p:nvSpPr>
-          <p:cNvPr id="2" name="Título Vertical 1"/>
-          <p:cNvSpPr>
-            <a:spLocks noGrp="1"/>
-          </p:cNvSpPr>
-          <p:nvPr>
-            <p:ph type="title" orient="vert"/>
-          </p:nvPr>
-        </p:nvSpPr>
-        <p:spPr>
-          <a:xfrm>
-            <a:off x="8724900" y="365125"/>
-            <a:ext cx="2628900" cy="5811838"/>
-          </a:xfrm>
-        </p:spPr>
+          <p:cNvPr id="2" name="Title 1"/>
+          <p:cNvSpPr>
+            <a:spLocks noGrp="1"/>
+          </p:cNvSpPr>
+          <p:nvPr>
+            <p:ph type="title"/>
+          </p:nvPr>
+        </p:nvSpPr>
+        <p:spPr/>
+        <p:txBody>
+          <a:bodyPr/>
+          <a:lstStyle/>
+          <a:p>
+            <a:r>
+              <a:rPr lang="en-US"/>
+              <a:t>Click to edit Master title style</a:t>
+            </a:r>
+          </a:p>
+        </p:txBody>
+      </p:sp>
+      <p:sp>
+        <p:nvSpPr>
+          <p:cNvPr id="3" name="Vertical Text Placeholder 2"/>
+          <p:cNvSpPr>
+            <a:spLocks noGrp="1"/>
+          </p:cNvSpPr>
+          <p:nvPr>
+            <p:ph type="body" orient="vert" idx="1"/>
+          </p:nvPr>
+        </p:nvSpPr>
+        <p:spPr/>
         <p:txBody>
           <a:bodyPr vert="eaVert"/>
           <a:lstStyle/>
           <a:p>
-            <a:r>
-              <a:rPr lang="pt-BR" smtClean="0"/>
-              <a:t>Clique para editar o título mestre</a:t>
-            </a:r>
-            <a:endParaRPr lang="pt-BR"/>
-          </a:p>
-        </p:txBody>
-      </p:sp>
-      <p:sp>
-        <p:nvSpPr>
-          <p:cNvPr id="3" name="Espaço Reservado para Texto Vertical 2"/>
-          <p:cNvSpPr>
-            <a:spLocks noGrp="1"/>
-          </p:cNvSpPr>
-          <p:nvPr>
-            <p:ph type="body" orient="vert" idx="1"/>
-          </p:nvPr>
-        </p:nvSpPr>
-        <p:spPr>
-          <a:xfrm>
-            <a:off x="838200" y="365125"/>
-            <a:ext cx="7734300" cy="5811838"/>
-          </a:xfrm>
-        </p:spPr>
-        <p:txBody>
-          <a:bodyPr vert="eaVert"/>
-          <a:lstStyle/>
-          <a:p>
             <a:pPr lvl="0"/>
             <a:r>
-              <a:rPr lang="pt-BR" smtClean="0"/>
-              <a:t>Editar estilos de texto Mestre</a:t>
+              <a:rPr lang="en-US"/>
+              <a:t>Edit Master text styles</a:t>
             </a:r>
           </a:p>
           <a:p>
             <a:pPr lvl="1"/>
             <a:r>
-              <a:rPr lang="pt-BR" smtClean="0"/>
-              <a:t>Segundo nível</a:t>
+              <a:rPr lang="en-US"/>
+              <a:t>Second level</a:t>
             </a:r>
           </a:p>
           <a:p>
             <a:pPr lvl="2"/>
             <a:r>
-              <a:rPr lang="pt-BR" smtClean="0"/>
-              <a:t>Terceiro nível</a:t>
+              <a:rPr lang="en-US"/>
+              <a:t>Third level</a:t>
             </a:r>
           </a:p>
           <a:p>
             <a:pPr lvl="3"/>
             <a:r>
-              <a:rPr lang="pt-BR" smtClean="0"/>
-              <a:t>Quarto nível</a:t>
+              <a:rPr lang="en-US"/>
+              <a:t>Fourth level</a:t>
             </a:r>
           </a:p>
           <a:p>
             <a:pPr lvl="4"/>
             <a:r>
-              <a:rPr lang="pt-BR" smtClean="0"/>
-              <a:t>Quinto nível</a:t>
-            </a:r>
-            <a:endParaRPr lang="pt-BR"/>
-          </a:p>
-        </p:txBody>
-      </p:sp>
-      <p:sp>
-        <p:nvSpPr>
-          <p:cNvPr id="4" name="Espaço Reservado para Data 3"/>
+              <a:rPr lang="en-US"/>
+              <a:t>Fifth level</a:t>
+            </a:r>
+          </a:p>
+        </p:txBody>
+      </p:sp>
+      <p:sp>
+        <p:nvSpPr>
+          <p:cNvPr id="4" name="Date Placeholder 3"/>
           <p:cNvSpPr>
             <a:spLocks noGrp="1"/>
           </p:cNvSpPr>
@@ -591,17 +760,17 @@
           <a:bodyPr/>
           <a:lstStyle/>
           <a:p>
-            <a:fld id="{4B194036-8B57-45A4-855C-473967FBDB3B}" type="datetimeFigureOut">
-              <a:rPr lang="pt-BR" smtClean="0"/>
-              <a:t>09/09/2019</a:t>
+            <a:fld id="{884CF14B-2803-492F-8958-8EDD28B417D2}" type="datetimeFigureOut">
+              <a:rPr lang="en-US" smtClean="0"/>
+              <a:t>9/11/2019</a:t>
             </a:fld>
-            <a:endParaRPr lang="pt-BR"/>
-          </a:p>
-        </p:txBody>
-      </p:sp>
-      <p:sp>
-        <p:nvSpPr>
-          <p:cNvPr id="5" name="Espaço Reservado para Rodapé 4"/>
+            <a:endParaRPr lang="en-US" dirty="0"/>
+          </a:p>
+        </p:txBody>
+      </p:sp>
+      <p:sp>
+        <p:nvSpPr>
+          <p:cNvPr id="5" name="Footer Placeholder 4"/>
           <p:cNvSpPr>
             <a:spLocks noGrp="1"/>
           </p:cNvSpPr>
@@ -614,13 +783,13 @@
           <a:bodyPr/>
           <a:lstStyle/>
           <a:p>
-            <a:endParaRPr lang="pt-BR"/>
-          </a:p>
-        </p:txBody>
-      </p:sp>
-      <p:sp>
-        <p:nvSpPr>
-          <p:cNvPr id="6" name="Espaço Reservado para Número de Slide 5"/>
+            <a:endParaRPr lang="en-US" dirty="0"/>
+          </a:p>
+        </p:txBody>
+      </p:sp>
+      <p:sp>
+        <p:nvSpPr>
+          <p:cNvPr id="6" name="Slide Number Placeholder 5"/>
           <p:cNvSpPr>
             <a:spLocks noGrp="1"/>
           </p:cNvSpPr>
@@ -633,18 +802,18 @@
           <a:bodyPr/>
           <a:lstStyle/>
           <a:p>
-            <a:fld id="{B8E7513E-4E88-4CC7-B7E9-A330A735BD2A}" type="slidenum">
-              <a:rPr lang="pt-BR" smtClean="0"/>
+            <a:fld id="{B2936822-2815-4A98-B8E1-2BBE0B69F322}" type="slidenum">
+              <a:rPr lang="en-US" smtClean="0"/>
               <a:t>‹nº›</a:t>
             </a:fld>
-            <a:endParaRPr lang="pt-BR"/>
+            <a:endParaRPr lang="en-US" dirty="0"/>
           </a:p>
         </p:txBody>
       </p:sp>
     </p:spTree>
     <p:extLst>
       <p:ext uri="{BB962C8B-B14F-4D97-AF65-F5344CB8AC3E}">
-        <p14:creationId xmlns:p14="http://schemas.microsoft.com/office/powerpoint/2010/main" val="931642652"/>
+        <p14:creationId xmlns:p14="http://schemas.microsoft.com/office/powerpoint/2010/main" val="1189189927"/>
       </p:ext>
     </p:extLst>
   </p:cSld>
@@ -654,9 +823,9 @@
 </p:sldLayout>
 </file>
 
-<file path=ppt/slideLayouts/slideLayout2.xml><?xml version="1.0" encoding="utf-8"?>
-<p:sldLayout xmlns:a="http://schemas.openxmlformats.org/drawingml/2006/main" xmlns:r="http://schemas.openxmlformats.org/officeDocument/2006/relationships" xmlns:p="http://schemas.openxmlformats.org/presentationml/2006/main" type="obj" preserve="1">
-  <p:cSld name="Título e Conteúdo">
+<file path=ppt/slideLayouts/slideLayout11.xml><?xml version="1.0" encoding="utf-8"?>
+<p:sldLayout xmlns:a="http://schemas.openxmlformats.org/drawingml/2006/main" xmlns:r="http://schemas.openxmlformats.org/officeDocument/2006/relationships" xmlns:p="http://schemas.openxmlformats.org/presentationml/2006/main" type="vertTitleAndTx" preserve="1">
+  <p:cSld name="Vertical Title and Text">
     <p:spTree>
       <p:nvGrpSpPr>
         <p:cNvPr id="1" name=""/>
@@ -673,12 +842,95 @@
       </p:grpSpPr>
       <p:sp>
         <p:nvSpPr>
-          <p:cNvPr id="2" name="Título 1"/>
-          <p:cNvSpPr>
-            <a:spLocks noGrp="1"/>
-          </p:cNvSpPr>
-          <p:nvPr>
-            <p:ph type="title"/>
+          <p:cNvPr id="2" name="Vertical Title 1"/>
+          <p:cNvSpPr>
+            <a:spLocks noGrp="1"/>
+          </p:cNvSpPr>
+          <p:nvPr>
+            <p:ph type="title" orient="vert"/>
+          </p:nvPr>
+        </p:nvSpPr>
+        <p:spPr>
+          <a:xfrm>
+            <a:off x="8724900" y="365125"/>
+            <a:ext cx="2628900" cy="5811838"/>
+          </a:xfrm>
+        </p:spPr>
+        <p:txBody>
+          <a:bodyPr vert="eaVert"/>
+          <a:lstStyle/>
+          <a:p>
+            <a:r>
+              <a:rPr lang="en-US"/>
+              <a:t>Click to edit Master title style</a:t>
+            </a:r>
+          </a:p>
+        </p:txBody>
+      </p:sp>
+      <p:sp>
+        <p:nvSpPr>
+          <p:cNvPr id="3" name="Vertical Text Placeholder 2"/>
+          <p:cNvSpPr>
+            <a:spLocks noGrp="1"/>
+          </p:cNvSpPr>
+          <p:nvPr>
+            <p:ph type="body" orient="vert" idx="1"/>
+          </p:nvPr>
+        </p:nvSpPr>
+        <p:spPr>
+          <a:xfrm>
+            <a:off x="838200" y="365125"/>
+            <a:ext cx="7734300" cy="5811838"/>
+          </a:xfrm>
+        </p:spPr>
+        <p:txBody>
+          <a:bodyPr vert="eaVert"/>
+          <a:lstStyle/>
+          <a:p>
+            <a:pPr lvl="0"/>
+            <a:r>
+              <a:rPr lang="en-US"/>
+              <a:t>Edit Master text styles</a:t>
+            </a:r>
+          </a:p>
+          <a:p>
+            <a:pPr lvl="1"/>
+            <a:r>
+              <a:rPr lang="en-US"/>
+              <a:t>Second level</a:t>
+            </a:r>
+          </a:p>
+          <a:p>
+            <a:pPr lvl="2"/>
+            <a:r>
+              <a:rPr lang="en-US"/>
+              <a:t>Third level</a:t>
+            </a:r>
+          </a:p>
+          <a:p>
+            <a:pPr lvl="3"/>
+            <a:r>
+              <a:rPr lang="en-US"/>
+              <a:t>Fourth level</a:t>
+            </a:r>
+          </a:p>
+          <a:p>
+            <a:pPr lvl="4"/>
+            <a:r>
+              <a:rPr lang="en-US"/>
+              <a:t>Fifth level</a:t>
+            </a:r>
+          </a:p>
+        </p:txBody>
+      </p:sp>
+      <p:sp>
+        <p:nvSpPr>
+          <p:cNvPr id="4" name="Date Placeholder 3"/>
+          <p:cNvSpPr>
+            <a:spLocks noGrp="1"/>
+          </p:cNvSpPr>
+          <p:nvPr>
+            <p:ph type="dt" sz="half" idx="10"/>
           </p:nvPr>
         </p:nvSpPr>
         <p:spPr/>
@@ -686,22 +938,22 @@
           <a:bodyPr/>
           <a:lstStyle/>
           <a:p>
-            <a:r>
-              <a:rPr lang="pt-BR" smtClean="0"/>
-              <a:t>Clique para editar o título mestre</a:t>
-            </a:r>
-            <a:endParaRPr lang="pt-BR"/>
-          </a:p>
-        </p:txBody>
-      </p:sp>
-      <p:sp>
-        <p:nvSpPr>
-          <p:cNvPr id="3" name="Espaço Reservado para Conteúdo 2"/>
-          <p:cNvSpPr>
-            <a:spLocks noGrp="1"/>
-          </p:cNvSpPr>
-          <p:nvPr>
-            <p:ph idx="1"/>
+            <a:fld id="{884CF14B-2803-492F-8958-8EDD28B417D2}" type="datetimeFigureOut">
+              <a:rPr lang="en-US" smtClean="0"/>
+              <a:t>9/11/2019</a:t>
+            </a:fld>
+            <a:endParaRPr lang="en-US" dirty="0"/>
+          </a:p>
+        </p:txBody>
+      </p:sp>
+      <p:sp>
+        <p:nvSpPr>
+          <p:cNvPr id="5" name="Footer Placeholder 4"/>
+          <p:cNvSpPr>
+            <a:spLocks noGrp="1"/>
+          </p:cNvSpPr>
+          <p:nvPr>
+            <p:ph type="ftr" sz="quarter" idx="11"/>
           </p:nvPr>
         </p:nvSpPr>
         <p:spPr/>
@@ -709,51 +961,18 @@
           <a:bodyPr/>
           <a:lstStyle/>
           <a:p>
-            <a:pPr lvl="0"/>
-            <a:r>
-              <a:rPr lang="pt-BR" smtClean="0"/>
-              <a:t>Editar estilos de texto Mestre</a:t>
-            </a:r>
-          </a:p>
-          <a:p>
-            <a:pPr lvl="1"/>
-            <a:r>
-              <a:rPr lang="pt-BR" smtClean="0"/>
-              <a:t>Segundo nível</a:t>
-            </a:r>
-          </a:p>
-          <a:p>
-            <a:pPr lvl="2"/>
-            <a:r>
-              <a:rPr lang="pt-BR" smtClean="0"/>
-              <a:t>Terceiro nível</a:t>
-            </a:r>
-          </a:p>
-          <a:p>
-            <a:pPr lvl="3"/>
-            <a:r>
-              <a:rPr lang="pt-BR" smtClean="0"/>
-              <a:t>Quarto nível</a:t>
-            </a:r>
-          </a:p>
-          <a:p>
-            <a:pPr lvl="4"/>
-            <a:r>
-              <a:rPr lang="pt-BR" smtClean="0"/>
-              <a:t>Quinto nível</a:t>
-            </a:r>
-            <a:endParaRPr lang="pt-BR"/>
-          </a:p>
-        </p:txBody>
-      </p:sp>
-      <p:sp>
-        <p:nvSpPr>
-          <p:cNvPr id="4" name="Espaço Reservado para Data 3"/>
-          <p:cNvSpPr>
-            <a:spLocks noGrp="1"/>
-          </p:cNvSpPr>
-          <p:nvPr>
-            <p:ph type="dt" sz="half" idx="10"/>
+            <a:endParaRPr lang="en-US" dirty="0"/>
+          </a:p>
+        </p:txBody>
+      </p:sp>
+      <p:sp>
+        <p:nvSpPr>
+          <p:cNvPr id="6" name="Slide Number Placeholder 5"/>
+          <p:cNvSpPr>
+            <a:spLocks noGrp="1"/>
+          </p:cNvSpPr>
+          <p:nvPr>
+            <p:ph type="sldNum" sz="quarter" idx="12"/>
           </p:nvPr>
         </p:nvSpPr>
         <p:spPr/>
@@ -761,60 +980,18 @@
           <a:bodyPr/>
           <a:lstStyle/>
           <a:p>
-            <a:fld id="{4B194036-8B57-45A4-855C-473967FBDB3B}" type="datetimeFigureOut">
-              <a:rPr lang="pt-BR" smtClean="0"/>
-              <a:t>09/09/2019</a:t>
-            </a:fld>
-            <a:endParaRPr lang="pt-BR"/>
-          </a:p>
-        </p:txBody>
-      </p:sp>
-      <p:sp>
-        <p:nvSpPr>
-          <p:cNvPr id="5" name="Espaço Reservado para Rodapé 4"/>
-          <p:cNvSpPr>
-            <a:spLocks noGrp="1"/>
-          </p:cNvSpPr>
-          <p:nvPr>
-            <p:ph type="ftr" sz="quarter" idx="11"/>
-          </p:nvPr>
-        </p:nvSpPr>
-        <p:spPr/>
-        <p:txBody>
-          <a:bodyPr/>
-          <a:lstStyle/>
-          <a:p>
-            <a:endParaRPr lang="pt-BR"/>
-          </a:p>
-        </p:txBody>
-      </p:sp>
-      <p:sp>
-        <p:nvSpPr>
-          <p:cNvPr id="6" name="Espaço Reservado para Número de Slide 5"/>
-          <p:cNvSpPr>
-            <a:spLocks noGrp="1"/>
-          </p:cNvSpPr>
-          <p:nvPr>
-            <p:ph type="sldNum" sz="quarter" idx="12"/>
-          </p:nvPr>
-        </p:nvSpPr>
-        <p:spPr/>
-        <p:txBody>
-          <a:bodyPr/>
-          <a:lstStyle/>
-          <a:p>
-            <a:fld id="{B8E7513E-4E88-4CC7-B7E9-A330A735BD2A}" type="slidenum">
-              <a:rPr lang="pt-BR" smtClean="0"/>
+            <a:fld id="{B2936822-2815-4A98-B8E1-2BBE0B69F322}" type="slidenum">
+              <a:rPr lang="en-US" smtClean="0"/>
               <a:t>‹nº›</a:t>
             </a:fld>
-            <a:endParaRPr lang="pt-BR"/>
+            <a:endParaRPr lang="en-US" dirty="0"/>
           </a:p>
         </p:txBody>
       </p:sp>
     </p:spTree>
     <p:extLst>
       <p:ext uri="{BB962C8B-B14F-4D97-AF65-F5344CB8AC3E}">
-        <p14:creationId xmlns:p14="http://schemas.microsoft.com/office/powerpoint/2010/main" val="1291939694"/>
+        <p14:creationId xmlns:p14="http://schemas.microsoft.com/office/powerpoint/2010/main" val="3932494563"/>
       </p:ext>
     </p:extLst>
   </p:cSld>
@@ -824,9 +1001,9 @@
 </p:sldLayout>
 </file>
 
-<file path=ppt/slideLayouts/slideLayout3.xml><?xml version="1.0" encoding="utf-8"?>
-<p:sldLayout xmlns:a="http://schemas.openxmlformats.org/drawingml/2006/main" xmlns:r="http://schemas.openxmlformats.org/officeDocument/2006/relationships" xmlns:p="http://schemas.openxmlformats.org/presentationml/2006/main" type="secHead" preserve="1">
-  <p:cSld name="Cabeçalho da Seção">
+<file path=ppt/slideLayouts/slideLayout2.xml><?xml version="1.0" encoding="utf-8"?>
+<p:sldLayout xmlns:a="http://schemas.openxmlformats.org/drawingml/2006/main" xmlns:r="http://schemas.openxmlformats.org/officeDocument/2006/relationships" xmlns:p="http://schemas.openxmlformats.org/presentationml/2006/main" type="obj" preserve="1">
+  <p:cSld name="Title and Content">
     <p:spTree>
       <p:nvGrpSpPr>
         <p:cNvPr id="1" name=""/>
@@ -843,7 +1020,7 @@
       </p:grpSpPr>
       <p:sp>
         <p:nvSpPr>
-          <p:cNvPr id="2" name="Título 1"/>
+          <p:cNvPr id="2" name="Title 1"/>
           <p:cNvSpPr>
             <a:spLocks noGrp="1"/>
           </p:cNvSpPr>
@@ -851,150 +1028,72 @@
             <p:ph type="title"/>
           </p:nvPr>
         </p:nvSpPr>
-        <p:spPr>
-          <a:xfrm>
-            <a:off x="831850" y="1709738"/>
-            <a:ext cx="10515600" cy="2852737"/>
-          </a:xfrm>
-        </p:spPr>
-        <p:txBody>
-          <a:bodyPr anchor="b"/>
-          <a:lstStyle>
-            <a:lvl1pPr>
-              <a:defRPr sz="6000"/>
-            </a:lvl1pPr>
-          </a:lstStyle>
-          <a:p>
-            <a:r>
-              <a:rPr lang="pt-BR" smtClean="0"/>
-              <a:t>Clique para editar o título mestre</a:t>
-            </a:r>
-            <a:endParaRPr lang="pt-BR"/>
-          </a:p>
-        </p:txBody>
-      </p:sp>
-      <p:sp>
-        <p:nvSpPr>
-          <p:cNvPr id="3" name="Espaço Reservado para Texto 2"/>
-          <p:cNvSpPr>
-            <a:spLocks noGrp="1"/>
-          </p:cNvSpPr>
-          <p:nvPr>
-            <p:ph type="body" idx="1"/>
-          </p:nvPr>
-        </p:nvSpPr>
-        <p:spPr>
-          <a:xfrm>
-            <a:off x="831850" y="4589463"/>
-            <a:ext cx="10515600" cy="1500187"/>
-          </a:xfrm>
-        </p:spPr>
-        <p:txBody>
-          <a:bodyPr/>
-          <a:lstStyle>
-            <a:lvl1pPr marL="0" indent="0">
-              <a:buNone/>
-              <a:defRPr sz="2400">
-                <a:solidFill>
-                  <a:schemeClr val="tx1">
-                    <a:tint val="75000"/>
-                  </a:schemeClr>
-                </a:solidFill>
-              </a:defRPr>
-            </a:lvl1pPr>
-            <a:lvl2pPr marL="457200" indent="0">
-              <a:buNone/>
-              <a:defRPr sz="2000">
-                <a:solidFill>
-                  <a:schemeClr val="tx1">
-                    <a:tint val="75000"/>
-                  </a:schemeClr>
-                </a:solidFill>
-              </a:defRPr>
-            </a:lvl2pPr>
-            <a:lvl3pPr marL="914400" indent="0">
-              <a:buNone/>
-              <a:defRPr sz="1800">
-                <a:solidFill>
-                  <a:schemeClr val="tx1">
-                    <a:tint val="75000"/>
-                  </a:schemeClr>
-                </a:solidFill>
-              </a:defRPr>
-            </a:lvl3pPr>
-            <a:lvl4pPr marL="1371600" indent="0">
-              <a:buNone/>
-              <a:defRPr sz="1600">
-                <a:solidFill>
-                  <a:schemeClr val="tx1">
-                    <a:tint val="75000"/>
-                  </a:schemeClr>
-                </a:solidFill>
-              </a:defRPr>
-            </a:lvl4pPr>
-            <a:lvl5pPr marL="1828800" indent="0">
-              <a:buNone/>
-              <a:defRPr sz="1600">
-                <a:solidFill>
-                  <a:schemeClr val="tx1">
-                    <a:tint val="75000"/>
-                  </a:schemeClr>
-                </a:solidFill>
-              </a:defRPr>
-            </a:lvl5pPr>
-            <a:lvl6pPr marL="2286000" indent="0">
-              <a:buNone/>
-              <a:defRPr sz="1600">
-                <a:solidFill>
-                  <a:schemeClr val="tx1">
-                    <a:tint val="75000"/>
-                  </a:schemeClr>
-                </a:solidFill>
-              </a:defRPr>
-            </a:lvl6pPr>
-            <a:lvl7pPr marL="2743200" indent="0">
-              <a:buNone/>
-              <a:defRPr sz="1600">
-                <a:solidFill>
-                  <a:schemeClr val="tx1">
-                    <a:tint val="75000"/>
-                  </a:schemeClr>
-                </a:solidFill>
-              </a:defRPr>
-            </a:lvl7pPr>
-            <a:lvl8pPr marL="3200400" indent="0">
-              <a:buNone/>
-              <a:defRPr sz="1600">
-                <a:solidFill>
-                  <a:schemeClr val="tx1">
-                    <a:tint val="75000"/>
-                  </a:schemeClr>
-                </a:solidFill>
-              </a:defRPr>
-            </a:lvl8pPr>
-            <a:lvl9pPr marL="3657600" indent="0">
-              <a:buNone/>
-              <a:defRPr sz="1600">
-                <a:solidFill>
-                  <a:schemeClr val="tx1">
-                    <a:tint val="75000"/>
-                  </a:schemeClr>
-                </a:solidFill>
-              </a:defRPr>
-            </a:lvl9pPr>
-          </a:lstStyle>
+        <p:spPr/>
+        <p:txBody>
+          <a:bodyPr/>
+          <a:lstStyle/>
+          <a:p>
+            <a:r>
+              <a:rPr lang="en-US"/>
+              <a:t>Click to edit Master title style</a:t>
+            </a:r>
+          </a:p>
+        </p:txBody>
+      </p:sp>
+      <p:sp>
+        <p:nvSpPr>
+          <p:cNvPr id="3" name="Content Placeholder 2"/>
+          <p:cNvSpPr>
+            <a:spLocks noGrp="1"/>
+          </p:cNvSpPr>
+          <p:nvPr>
+            <p:ph idx="1"/>
+          </p:nvPr>
+        </p:nvSpPr>
+        <p:spPr/>
+        <p:txBody>
+          <a:bodyPr/>
+          <a:lstStyle/>
           <a:p>
             <a:pPr lvl="0"/>
             <a:r>
-              <a:rPr lang="pt-BR" smtClean="0"/>
-              <a:t>Editar estilos de texto Mestre</a:t>
-            </a:r>
-          </a:p>
-        </p:txBody>
-      </p:sp>
-      <p:sp>
-        <p:nvSpPr>
-          <p:cNvPr id="4" name="Espaço Reservado para Data 3"/>
+              <a:rPr lang="en-US"/>
+              <a:t>Edit Master text styles</a:t>
+            </a:r>
+          </a:p>
+          <a:p>
+            <a:pPr lvl="1"/>
+            <a:r>
+              <a:rPr lang="en-US"/>
+              <a:t>Second level</a:t>
+            </a:r>
+          </a:p>
+          <a:p>
+            <a:pPr lvl="2"/>
+            <a:r>
+              <a:rPr lang="en-US"/>
+              <a:t>Third level</a:t>
+            </a:r>
+          </a:p>
+          <a:p>
+            <a:pPr lvl="3"/>
+            <a:r>
+              <a:rPr lang="en-US"/>
+              <a:t>Fourth level</a:t>
+            </a:r>
+          </a:p>
+          <a:p>
+            <a:pPr lvl="4"/>
+            <a:r>
+              <a:rPr lang="en-US"/>
+              <a:t>Fifth level</a:t>
+            </a:r>
+          </a:p>
+        </p:txBody>
+      </p:sp>
+      <p:sp>
+        <p:nvSpPr>
+          <p:cNvPr id="4" name="Date Placeholder 3"/>
           <p:cNvSpPr>
             <a:spLocks noGrp="1"/>
           </p:cNvSpPr>
@@ -1007,17 +1106,17 @@
           <a:bodyPr/>
           <a:lstStyle/>
           <a:p>
-            <a:fld id="{4B194036-8B57-45A4-855C-473967FBDB3B}" type="datetimeFigureOut">
-              <a:rPr lang="pt-BR" smtClean="0"/>
-              <a:t>09/09/2019</a:t>
+            <a:fld id="{884CF14B-2803-492F-8958-8EDD28B417D2}" type="datetimeFigureOut">
+              <a:rPr lang="en-US" smtClean="0"/>
+              <a:t>9/11/2019</a:t>
             </a:fld>
-            <a:endParaRPr lang="pt-BR"/>
-          </a:p>
-        </p:txBody>
-      </p:sp>
-      <p:sp>
-        <p:nvSpPr>
-          <p:cNvPr id="5" name="Espaço Reservado para Rodapé 4"/>
+            <a:endParaRPr lang="en-US" dirty="0"/>
+          </a:p>
+        </p:txBody>
+      </p:sp>
+      <p:sp>
+        <p:nvSpPr>
+          <p:cNvPr id="5" name="Footer Placeholder 4"/>
           <p:cNvSpPr>
             <a:spLocks noGrp="1"/>
           </p:cNvSpPr>
@@ -1030,13 +1129,13 @@
           <a:bodyPr/>
           <a:lstStyle/>
           <a:p>
-            <a:endParaRPr lang="pt-BR"/>
-          </a:p>
-        </p:txBody>
-      </p:sp>
-      <p:sp>
-        <p:nvSpPr>
-          <p:cNvPr id="6" name="Espaço Reservado para Número de Slide 5"/>
+            <a:endParaRPr lang="en-US" dirty="0"/>
+          </a:p>
+        </p:txBody>
+      </p:sp>
+      <p:sp>
+        <p:nvSpPr>
+          <p:cNvPr id="6" name="Slide Number Placeholder 5"/>
           <p:cNvSpPr>
             <a:spLocks noGrp="1"/>
           </p:cNvSpPr>
@@ -1049,18 +1148,18 @@
           <a:bodyPr/>
           <a:lstStyle/>
           <a:p>
-            <a:fld id="{B8E7513E-4E88-4CC7-B7E9-A330A735BD2A}" type="slidenum">
-              <a:rPr lang="pt-BR" smtClean="0"/>
+            <a:fld id="{B2936822-2815-4A98-B8E1-2BBE0B69F322}" type="slidenum">
+              <a:rPr lang="en-US" smtClean="0"/>
               <a:t>‹nº›</a:t>
             </a:fld>
-            <a:endParaRPr lang="pt-BR"/>
+            <a:endParaRPr lang="en-US" dirty="0"/>
           </a:p>
         </p:txBody>
       </p:sp>
     </p:spTree>
     <p:extLst>
       <p:ext uri="{BB962C8B-B14F-4D97-AF65-F5344CB8AC3E}">
-        <p14:creationId xmlns:p14="http://schemas.microsoft.com/office/powerpoint/2010/main" val="3687080430"/>
+        <p14:creationId xmlns:p14="http://schemas.microsoft.com/office/powerpoint/2010/main" val="4211189451"/>
       </p:ext>
     </p:extLst>
   </p:cSld>
@@ -1070,9 +1169,9 @@
 </p:sldLayout>
 </file>
 
-<file path=ppt/slideLayouts/slideLayout4.xml><?xml version="1.0" encoding="utf-8"?>
-<p:sldLayout xmlns:a="http://schemas.openxmlformats.org/drawingml/2006/main" xmlns:r="http://schemas.openxmlformats.org/officeDocument/2006/relationships" xmlns:p="http://schemas.openxmlformats.org/presentationml/2006/main" type="twoObj" preserve="1">
-  <p:cSld name="Duas Partes de Conteúdo">
+<file path=ppt/slideLayouts/slideLayout3.xml><?xml version="1.0" encoding="utf-8"?>
+<p:sldLayout xmlns:a="http://schemas.openxmlformats.org/drawingml/2006/main" xmlns:r="http://schemas.openxmlformats.org/officeDocument/2006/relationships" xmlns:p="http://schemas.openxmlformats.org/presentationml/2006/main" type="secHead" preserve="1">
+  <p:cSld name="Section Header">
     <p:spTree>
       <p:nvGrpSpPr>
         <p:cNvPr id="1" name=""/>
@@ -1089,144 +1188,157 @@
       </p:grpSpPr>
       <p:sp>
         <p:nvSpPr>
-          <p:cNvPr id="2" name="Título 1"/>
+          <p:cNvPr id="2" name="Title 1"/>
           <p:cNvSpPr>
             <a:spLocks noGrp="1"/>
           </p:cNvSpPr>
           <p:nvPr>
             <p:ph type="title"/>
-          </p:nvPr>
-        </p:nvSpPr>
-        <p:spPr/>
-        <p:txBody>
-          <a:bodyPr/>
-          <a:lstStyle/>
-          <a:p>
-            <a:r>
-              <a:rPr lang="pt-BR" smtClean="0"/>
-              <a:t>Clique para editar o título mestre</a:t>
-            </a:r>
-            <a:endParaRPr lang="pt-BR"/>
-          </a:p>
-        </p:txBody>
-      </p:sp>
-      <p:sp>
-        <p:nvSpPr>
-          <p:cNvPr id="3" name="Espaço Reservado para Conteúdo 2"/>
-          <p:cNvSpPr>
-            <a:spLocks noGrp="1"/>
-          </p:cNvSpPr>
-          <p:nvPr>
-            <p:ph sz="half" idx="1"/>
           </p:nvPr>
         </p:nvSpPr>
         <p:spPr>
           <a:xfrm>
-            <a:off x="838200" y="1825625"/>
-            <a:ext cx="5181600" cy="4351338"/>
+            <a:off x="831850" y="1709738"/>
+            <a:ext cx="10515600" cy="2852737"/>
           </a:xfrm>
         </p:spPr>
         <p:txBody>
-          <a:bodyPr/>
-          <a:lstStyle/>
-          <a:p>
-            <a:pPr lvl="0"/>
-            <a:r>
-              <a:rPr lang="pt-BR" smtClean="0"/>
-              <a:t>Editar estilos de texto Mestre</a:t>
-            </a:r>
-          </a:p>
-          <a:p>
-            <a:pPr lvl="1"/>
-            <a:r>
-              <a:rPr lang="pt-BR" smtClean="0"/>
-              <a:t>Segundo nível</a:t>
-            </a:r>
-          </a:p>
-          <a:p>
-            <a:pPr lvl="2"/>
-            <a:r>
-              <a:rPr lang="pt-BR" smtClean="0"/>
-              <a:t>Terceiro nível</a:t>
-            </a:r>
-          </a:p>
-          <a:p>
-            <a:pPr lvl="3"/>
-            <a:r>
-              <a:rPr lang="pt-BR" smtClean="0"/>
-              <a:t>Quarto nível</a:t>
-            </a:r>
-          </a:p>
-          <a:p>
-            <a:pPr lvl="4"/>
-            <a:r>
-              <a:rPr lang="pt-BR" smtClean="0"/>
-              <a:t>Quinto nível</a:t>
-            </a:r>
-            <a:endParaRPr lang="pt-BR"/>
-          </a:p>
-        </p:txBody>
-      </p:sp>
-      <p:sp>
-        <p:nvSpPr>
-          <p:cNvPr id="4" name="Espaço Reservado para Conteúdo 3"/>
-          <p:cNvSpPr>
-            <a:spLocks noGrp="1"/>
-          </p:cNvSpPr>
-          <p:nvPr>
-            <p:ph sz="half" idx="2"/>
+          <a:bodyPr anchor="b"/>
+          <a:lstStyle>
+            <a:lvl1pPr>
+              <a:defRPr sz="6000"/>
+            </a:lvl1pPr>
+          </a:lstStyle>
+          <a:p>
+            <a:r>
+              <a:rPr lang="en-US"/>
+              <a:t>Click to edit Master title style</a:t>
+            </a:r>
+          </a:p>
+        </p:txBody>
+      </p:sp>
+      <p:sp>
+        <p:nvSpPr>
+          <p:cNvPr id="3" name="Text Placeholder 2"/>
+          <p:cNvSpPr>
+            <a:spLocks noGrp="1"/>
+          </p:cNvSpPr>
+          <p:nvPr>
+            <p:ph type="body" idx="1"/>
           </p:nvPr>
         </p:nvSpPr>
         <p:spPr>
           <a:xfrm>
-            <a:off x="6172200" y="1825625"/>
-            <a:ext cx="5181600" cy="4351338"/>
+            <a:off x="831850" y="4589463"/>
+            <a:ext cx="10515600" cy="1500187"/>
           </a:xfrm>
         </p:spPr>
         <p:txBody>
           <a:bodyPr/>
-          <a:lstStyle/>
+          <a:lstStyle>
+            <a:lvl1pPr marL="0" indent="0">
+              <a:buNone/>
+              <a:defRPr sz="2400">
+                <a:solidFill>
+                  <a:schemeClr val="tx1">
+                    <a:tint val="75000"/>
+                  </a:schemeClr>
+                </a:solidFill>
+              </a:defRPr>
+            </a:lvl1pPr>
+            <a:lvl2pPr marL="457200" indent="0">
+              <a:buNone/>
+              <a:defRPr sz="2000">
+                <a:solidFill>
+                  <a:schemeClr val="tx1">
+                    <a:tint val="75000"/>
+                  </a:schemeClr>
+                </a:solidFill>
+              </a:defRPr>
+            </a:lvl2pPr>
+            <a:lvl3pPr marL="914400" indent="0">
+              <a:buNone/>
+              <a:defRPr sz="1800">
+                <a:solidFill>
+                  <a:schemeClr val="tx1">
+                    <a:tint val="75000"/>
+                  </a:schemeClr>
+                </a:solidFill>
+              </a:defRPr>
+            </a:lvl3pPr>
+            <a:lvl4pPr marL="1371600" indent="0">
+              <a:buNone/>
+              <a:defRPr sz="1600">
+                <a:solidFill>
+                  <a:schemeClr val="tx1">
+                    <a:tint val="75000"/>
+                  </a:schemeClr>
+                </a:solidFill>
+              </a:defRPr>
+            </a:lvl4pPr>
+            <a:lvl5pPr marL="1828800" indent="0">
+              <a:buNone/>
+              <a:defRPr sz="1600">
+                <a:solidFill>
+                  <a:schemeClr val="tx1">
+                    <a:tint val="75000"/>
+                  </a:schemeClr>
+                </a:solidFill>
+              </a:defRPr>
+            </a:lvl5pPr>
+            <a:lvl6pPr marL="2286000" indent="0">
+              <a:buNone/>
+              <a:defRPr sz="1600">
+                <a:solidFill>
+                  <a:schemeClr val="tx1">
+                    <a:tint val="75000"/>
+                  </a:schemeClr>
+                </a:solidFill>
+              </a:defRPr>
+            </a:lvl6pPr>
+            <a:lvl7pPr marL="2743200" indent="0">
+              <a:buNone/>
+              <a:defRPr sz="1600">
+                <a:solidFill>
+                  <a:schemeClr val="tx1">
+                    <a:tint val="75000"/>
+                  </a:schemeClr>
+                </a:solidFill>
+              </a:defRPr>
+            </a:lvl7pPr>
+            <a:lvl8pPr marL="3200400" indent="0">
+              <a:buNone/>
+              <a:defRPr sz="1600">
+                <a:solidFill>
+                  <a:schemeClr val="tx1">
+                    <a:tint val="75000"/>
+                  </a:schemeClr>
+                </a:solidFill>
+              </a:defRPr>
+            </a:lvl8pPr>
+            <a:lvl9pPr marL="3657600" indent="0">
+              <a:buNone/>
+              <a:defRPr sz="1600">
+                <a:solidFill>
+                  <a:schemeClr val="tx1">
+                    <a:tint val="75000"/>
+                  </a:schemeClr>
+                </a:solidFill>
+              </a:defRPr>
+            </a:lvl9pPr>
+          </a:lstStyle>
           <a:p>
             <a:pPr lvl="0"/>
             <a:r>
-              <a:rPr lang="pt-BR" smtClean="0"/>
-              <a:t>Editar estilos de texto Mestre</a:t>
-            </a:r>
-          </a:p>
-          <a:p>
-            <a:pPr lvl="1"/>
-            <a:r>
-              <a:rPr lang="pt-BR" smtClean="0"/>
-              <a:t>Segundo nível</a:t>
-            </a:r>
-          </a:p>
-          <a:p>
-            <a:pPr lvl="2"/>
-            <a:r>
-              <a:rPr lang="pt-BR" smtClean="0"/>
-              <a:t>Terceiro nível</a:t>
-            </a:r>
-          </a:p>
-          <a:p>
-            <a:pPr lvl="3"/>
-            <a:r>
-              <a:rPr lang="pt-BR" smtClean="0"/>
-              <a:t>Quarto nível</a:t>
-            </a:r>
-          </a:p>
-          <a:p>
-            <a:pPr lvl="4"/>
-            <a:r>
-              <a:rPr lang="pt-BR" smtClean="0"/>
-              <a:t>Quinto nível</a:t>
-            </a:r>
-            <a:endParaRPr lang="pt-BR"/>
-          </a:p>
-        </p:txBody>
-      </p:sp>
-      <p:sp>
-        <p:nvSpPr>
-          <p:cNvPr id="5" name="Espaço Reservado para Data 4"/>
+              <a:rPr lang="en-US"/>
+              <a:t>Edit Master text styles</a:t>
+            </a:r>
+          </a:p>
+        </p:txBody>
+      </p:sp>
+      <p:sp>
+        <p:nvSpPr>
+          <p:cNvPr id="4" name="Date Placeholder 3"/>
           <p:cNvSpPr>
             <a:spLocks noGrp="1"/>
           </p:cNvSpPr>
@@ -1239,17 +1351,17 @@
           <a:bodyPr/>
           <a:lstStyle/>
           <a:p>
-            <a:fld id="{4B194036-8B57-45A4-855C-473967FBDB3B}" type="datetimeFigureOut">
-              <a:rPr lang="pt-BR" smtClean="0"/>
-              <a:t>09/09/2019</a:t>
+            <a:fld id="{884CF14B-2803-492F-8958-8EDD28B417D2}" type="datetimeFigureOut">
+              <a:rPr lang="en-US" smtClean="0"/>
+              <a:t>9/11/2019</a:t>
             </a:fld>
-            <a:endParaRPr lang="pt-BR"/>
-          </a:p>
-        </p:txBody>
-      </p:sp>
-      <p:sp>
-        <p:nvSpPr>
-          <p:cNvPr id="6" name="Espaço Reservado para Rodapé 5"/>
+            <a:endParaRPr lang="en-US" dirty="0"/>
+          </a:p>
+        </p:txBody>
+      </p:sp>
+      <p:sp>
+        <p:nvSpPr>
+          <p:cNvPr id="5" name="Footer Placeholder 4"/>
           <p:cNvSpPr>
             <a:spLocks noGrp="1"/>
           </p:cNvSpPr>
@@ -1262,13 +1374,13 @@
           <a:bodyPr/>
           <a:lstStyle/>
           <a:p>
-            <a:endParaRPr lang="pt-BR"/>
-          </a:p>
-        </p:txBody>
-      </p:sp>
-      <p:sp>
-        <p:nvSpPr>
-          <p:cNvPr id="7" name="Espaço Reservado para Número de Slide 6"/>
+            <a:endParaRPr lang="en-US" dirty="0"/>
+          </a:p>
+        </p:txBody>
+      </p:sp>
+      <p:sp>
+        <p:nvSpPr>
+          <p:cNvPr id="6" name="Slide Number Placeholder 5"/>
           <p:cNvSpPr>
             <a:spLocks noGrp="1"/>
           </p:cNvSpPr>
@@ -1281,18 +1393,18 @@
           <a:bodyPr/>
           <a:lstStyle/>
           <a:p>
-            <a:fld id="{B8E7513E-4E88-4CC7-B7E9-A330A735BD2A}" type="slidenum">
-              <a:rPr lang="pt-BR" smtClean="0"/>
+            <a:fld id="{B2936822-2815-4A98-B8E1-2BBE0B69F322}" type="slidenum">
+              <a:rPr lang="en-US" smtClean="0"/>
               <a:t>‹nº›</a:t>
             </a:fld>
-            <a:endParaRPr lang="pt-BR"/>
+            <a:endParaRPr lang="en-US" dirty="0"/>
           </a:p>
         </p:txBody>
       </p:sp>
     </p:spTree>
     <p:extLst>
       <p:ext uri="{BB962C8B-B14F-4D97-AF65-F5344CB8AC3E}">
-        <p14:creationId xmlns:p14="http://schemas.microsoft.com/office/powerpoint/2010/main" val="910344175"/>
+        <p14:creationId xmlns:p14="http://schemas.microsoft.com/office/powerpoint/2010/main" val="3174023780"/>
       </p:ext>
     </p:extLst>
   </p:cSld>
@@ -1302,9 +1414,9 @@
 </p:sldLayout>
 </file>
 
-<file path=ppt/slideLayouts/slideLayout5.xml><?xml version="1.0" encoding="utf-8"?>
-<p:sldLayout xmlns:a="http://schemas.openxmlformats.org/drawingml/2006/main" xmlns:r="http://schemas.openxmlformats.org/officeDocument/2006/relationships" xmlns:p="http://schemas.openxmlformats.org/presentationml/2006/main" type="twoTxTwoObj" preserve="1">
-  <p:cSld name="Comparação">
+<file path=ppt/slideLayouts/slideLayout4.xml><?xml version="1.0" encoding="utf-8"?>
+<p:sldLayout xmlns:a="http://schemas.openxmlformats.org/drawingml/2006/main" xmlns:r="http://schemas.openxmlformats.org/officeDocument/2006/relationships" xmlns:p="http://schemas.openxmlformats.org/presentationml/2006/main" type="twoObj" preserve="1">
+  <p:cSld name="Two Content">
     <p:spTree>
       <p:nvGrpSpPr>
         <p:cNvPr id="1" name=""/>
@@ -1321,279 +1433,141 @@
       </p:grpSpPr>
       <p:sp>
         <p:nvSpPr>
-          <p:cNvPr id="2" name="Título 1"/>
+          <p:cNvPr id="2" name="Title 1"/>
           <p:cNvSpPr>
             <a:spLocks noGrp="1"/>
           </p:cNvSpPr>
           <p:nvPr>
             <p:ph type="title"/>
+          </p:nvPr>
+        </p:nvSpPr>
+        <p:spPr/>
+        <p:txBody>
+          <a:bodyPr/>
+          <a:lstStyle/>
+          <a:p>
+            <a:r>
+              <a:rPr lang="en-US"/>
+              <a:t>Click to edit Master title style</a:t>
+            </a:r>
+          </a:p>
+        </p:txBody>
+      </p:sp>
+      <p:sp>
+        <p:nvSpPr>
+          <p:cNvPr id="3" name="Content Placeholder 2"/>
+          <p:cNvSpPr>
+            <a:spLocks noGrp="1"/>
+          </p:cNvSpPr>
+          <p:nvPr>
+            <p:ph sz="half" idx="1"/>
           </p:nvPr>
         </p:nvSpPr>
         <p:spPr>
           <a:xfrm>
-            <a:off x="839788" y="365125"/>
-            <a:ext cx="10515600" cy="1325563"/>
+            <a:off x="838200" y="1825625"/>
+            <a:ext cx="5181600" cy="4351338"/>
           </a:xfrm>
         </p:spPr>
         <p:txBody>
           <a:bodyPr/>
           <a:lstStyle/>
           <a:p>
-            <a:r>
-              <a:rPr lang="pt-BR" smtClean="0"/>
-              <a:t>Clique para editar o título mestre</a:t>
-            </a:r>
-            <a:endParaRPr lang="pt-BR"/>
-          </a:p>
-        </p:txBody>
-      </p:sp>
-      <p:sp>
-        <p:nvSpPr>
-          <p:cNvPr id="3" name="Espaço Reservado para Texto 2"/>
-          <p:cNvSpPr>
-            <a:spLocks noGrp="1"/>
-          </p:cNvSpPr>
-          <p:nvPr>
-            <p:ph type="body" idx="1"/>
+            <a:pPr lvl="0"/>
+            <a:r>
+              <a:rPr lang="en-US"/>
+              <a:t>Edit Master text styles</a:t>
+            </a:r>
+          </a:p>
+          <a:p>
+            <a:pPr lvl="1"/>
+            <a:r>
+              <a:rPr lang="en-US"/>
+              <a:t>Second level</a:t>
+            </a:r>
+          </a:p>
+          <a:p>
+            <a:pPr lvl="2"/>
+            <a:r>
+              <a:rPr lang="en-US"/>
+              <a:t>Third level</a:t>
+            </a:r>
+          </a:p>
+          <a:p>
+            <a:pPr lvl="3"/>
+            <a:r>
+              <a:rPr lang="en-US"/>
+              <a:t>Fourth level</a:t>
+            </a:r>
+          </a:p>
+          <a:p>
+            <a:pPr lvl="4"/>
+            <a:r>
+              <a:rPr lang="en-US"/>
+              <a:t>Fifth level</a:t>
+            </a:r>
+          </a:p>
+        </p:txBody>
+      </p:sp>
+      <p:sp>
+        <p:nvSpPr>
+          <p:cNvPr id="4" name="Content Placeholder 3"/>
+          <p:cNvSpPr>
+            <a:spLocks noGrp="1"/>
+          </p:cNvSpPr>
+          <p:nvPr>
+            <p:ph sz="half" idx="2"/>
           </p:nvPr>
         </p:nvSpPr>
         <p:spPr>
           <a:xfrm>
-            <a:off x="839788" y="1681163"/>
-            <a:ext cx="5157787" cy="823912"/>
+            <a:off x="6172200" y="1825625"/>
+            <a:ext cx="5181600" cy="4351338"/>
           </a:xfrm>
         </p:spPr>
         <p:txBody>
-          <a:bodyPr anchor="b"/>
-          <a:lstStyle>
-            <a:lvl1pPr marL="0" indent="0">
-              <a:buNone/>
-              <a:defRPr sz="2400" b="1"/>
-            </a:lvl1pPr>
-            <a:lvl2pPr marL="457200" indent="0">
-              <a:buNone/>
-              <a:defRPr sz="2000" b="1"/>
-            </a:lvl2pPr>
-            <a:lvl3pPr marL="914400" indent="0">
-              <a:buNone/>
-              <a:defRPr sz="1800" b="1"/>
-            </a:lvl3pPr>
-            <a:lvl4pPr marL="1371600" indent="0">
-              <a:buNone/>
-              <a:defRPr sz="1600" b="1"/>
-            </a:lvl4pPr>
-            <a:lvl5pPr marL="1828800" indent="0">
-              <a:buNone/>
-              <a:defRPr sz="1600" b="1"/>
-            </a:lvl5pPr>
-            <a:lvl6pPr marL="2286000" indent="0">
-              <a:buNone/>
-              <a:defRPr sz="1600" b="1"/>
-            </a:lvl6pPr>
-            <a:lvl7pPr marL="2743200" indent="0">
-              <a:buNone/>
-              <a:defRPr sz="1600" b="1"/>
-            </a:lvl7pPr>
-            <a:lvl8pPr marL="3200400" indent="0">
-              <a:buNone/>
-              <a:defRPr sz="1600" b="1"/>
-            </a:lvl8pPr>
-            <a:lvl9pPr marL="3657600" indent="0">
-              <a:buNone/>
-              <a:defRPr sz="1600" b="1"/>
-            </a:lvl9pPr>
-          </a:lstStyle>
+          <a:bodyPr/>
+          <a:lstStyle/>
           <a:p>
             <a:pPr lvl="0"/>
             <a:r>
-              <a:rPr lang="pt-BR" smtClean="0"/>
-              <a:t>Editar estilos de texto Mestre</a:t>
-            </a:r>
-          </a:p>
-        </p:txBody>
-      </p:sp>
-      <p:sp>
-        <p:nvSpPr>
-          <p:cNvPr id="4" name="Espaço Reservado para Conteúdo 3"/>
-          <p:cNvSpPr>
-            <a:spLocks noGrp="1"/>
-          </p:cNvSpPr>
-          <p:nvPr>
-            <p:ph sz="half" idx="2"/>
-          </p:nvPr>
-        </p:nvSpPr>
-        <p:spPr>
-          <a:xfrm>
-            <a:off x="839788" y="2505075"/>
-            <a:ext cx="5157787" cy="3684588"/>
-          </a:xfrm>
-        </p:spPr>
-        <p:txBody>
-          <a:bodyPr/>
-          <a:lstStyle/>
-          <a:p>
-            <a:pPr lvl="0"/>
-            <a:r>
-              <a:rPr lang="pt-BR" smtClean="0"/>
-              <a:t>Editar estilos de texto Mestre</a:t>
+              <a:rPr lang="en-US"/>
+              <a:t>Edit Master text styles</a:t>
             </a:r>
           </a:p>
           <a:p>
             <a:pPr lvl="1"/>
             <a:r>
-              <a:rPr lang="pt-BR" smtClean="0"/>
-              <a:t>Segundo nível</a:t>
+              <a:rPr lang="en-US"/>
+              <a:t>Second level</a:t>
             </a:r>
           </a:p>
           <a:p>
             <a:pPr lvl="2"/>
             <a:r>
-              <a:rPr lang="pt-BR" smtClean="0"/>
-              <a:t>Terceiro nível</a:t>
+              <a:rPr lang="en-US"/>
+              <a:t>Third level</a:t>
             </a:r>
           </a:p>
           <a:p>
             <a:pPr lvl="3"/>
             <a:r>
-              <a:rPr lang="pt-BR" smtClean="0"/>
-              <a:t>Quarto nível</a:t>
+              <a:rPr lang="en-US"/>
+              <a:t>Fourth level</a:t>
             </a:r>
           </a:p>
           <a:p>
             <a:pPr lvl="4"/>
             <a:r>
-              <a:rPr lang="pt-BR" smtClean="0"/>
-              <a:t>Quinto nível</a:t>
-            </a:r>
-            <a:endParaRPr lang="pt-BR"/>
-          </a:p>
-        </p:txBody>
-      </p:sp>
-      <p:sp>
-        <p:nvSpPr>
-          <p:cNvPr id="5" name="Espaço Reservado para Texto 4"/>
-          <p:cNvSpPr>
-            <a:spLocks noGrp="1"/>
-          </p:cNvSpPr>
-          <p:nvPr>
-            <p:ph type="body" sz="quarter" idx="3"/>
-          </p:nvPr>
-        </p:nvSpPr>
-        <p:spPr>
-          <a:xfrm>
-            <a:off x="6172200" y="1681163"/>
-            <a:ext cx="5183188" cy="823912"/>
-          </a:xfrm>
-        </p:spPr>
-        <p:txBody>
-          <a:bodyPr anchor="b"/>
-          <a:lstStyle>
-            <a:lvl1pPr marL="0" indent="0">
-              <a:buNone/>
-              <a:defRPr sz="2400" b="1"/>
-            </a:lvl1pPr>
-            <a:lvl2pPr marL="457200" indent="0">
-              <a:buNone/>
-              <a:defRPr sz="2000" b="1"/>
-            </a:lvl2pPr>
-            <a:lvl3pPr marL="914400" indent="0">
-              <a:buNone/>
-              <a:defRPr sz="1800" b="1"/>
-            </a:lvl3pPr>
-            <a:lvl4pPr marL="1371600" indent="0">
-              <a:buNone/>
-              <a:defRPr sz="1600" b="1"/>
-            </a:lvl4pPr>
-            <a:lvl5pPr marL="1828800" indent="0">
-              <a:buNone/>
-              <a:defRPr sz="1600" b="1"/>
-            </a:lvl5pPr>
-            <a:lvl6pPr marL="2286000" indent="0">
-              <a:buNone/>
-              <a:defRPr sz="1600" b="1"/>
-            </a:lvl6pPr>
-            <a:lvl7pPr marL="2743200" indent="0">
-              <a:buNone/>
-              <a:defRPr sz="1600" b="1"/>
-            </a:lvl7pPr>
-            <a:lvl8pPr marL="3200400" indent="0">
-              <a:buNone/>
-              <a:defRPr sz="1600" b="1"/>
-            </a:lvl8pPr>
-            <a:lvl9pPr marL="3657600" indent="0">
-              <a:buNone/>
-              <a:defRPr sz="1600" b="1"/>
-            </a:lvl9pPr>
-          </a:lstStyle>
-          <a:p>
-            <a:pPr lvl="0"/>
-            <a:r>
-              <a:rPr lang="pt-BR" smtClean="0"/>
-              <a:t>Editar estilos de texto Mestre</a:t>
-            </a:r>
-          </a:p>
-        </p:txBody>
-      </p:sp>
-      <p:sp>
-        <p:nvSpPr>
-          <p:cNvPr id="6" name="Espaço Reservado para Conteúdo 5"/>
-          <p:cNvSpPr>
-            <a:spLocks noGrp="1"/>
-          </p:cNvSpPr>
-          <p:nvPr>
-            <p:ph sz="quarter" idx="4"/>
-          </p:nvPr>
-        </p:nvSpPr>
-        <p:spPr>
-          <a:xfrm>
-            <a:off x="6172200" y="2505075"/>
-            <a:ext cx="5183188" cy="3684588"/>
-          </a:xfrm>
-        </p:spPr>
-        <p:txBody>
-          <a:bodyPr/>
-          <a:lstStyle/>
-          <a:p>
-            <a:pPr lvl="0"/>
-            <a:r>
-              <a:rPr lang="pt-BR" smtClean="0"/>
-              <a:t>Editar estilos de texto Mestre</a:t>
-            </a:r>
-          </a:p>
-          <a:p>
-            <a:pPr lvl="1"/>
-            <a:r>
-              <a:rPr lang="pt-BR" smtClean="0"/>
-              <a:t>Segundo nível</a:t>
-            </a:r>
-          </a:p>
-          <a:p>
-            <a:pPr lvl="2"/>
-            <a:r>
-              <a:rPr lang="pt-BR" smtClean="0"/>
-              <a:t>Terceiro nível</a:t>
-            </a:r>
-          </a:p>
-          <a:p>
-            <a:pPr lvl="3"/>
-            <a:r>
-              <a:rPr lang="pt-BR" smtClean="0"/>
-              <a:t>Quarto nível</a:t>
-            </a:r>
-          </a:p>
-          <a:p>
-            <a:pPr lvl="4"/>
-            <a:r>
-              <a:rPr lang="pt-BR" smtClean="0"/>
-              <a:t>Quinto nível</a:t>
-            </a:r>
-            <a:endParaRPr lang="pt-BR"/>
-          </a:p>
-        </p:txBody>
-      </p:sp>
-      <p:sp>
-        <p:nvSpPr>
-          <p:cNvPr id="7" name="Espaço Reservado para Data 6"/>
+              <a:rPr lang="en-US"/>
+              <a:t>Fifth level</a:t>
+            </a:r>
+          </a:p>
+        </p:txBody>
+      </p:sp>
+      <p:sp>
+        <p:nvSpPr>
+          <p:cNvPr id="5" name="Date Placeholder 4"/>
           <p:cNvSpPr>
             <a:spLocks noGrp="1"/>
           </p:cNvSpPr>
@@ -1606,17 +1580,17 @@
           <a:bodyPr/>
           <a:lstStyle/>
           <a:p>
-            <a:fld id="{4B194036-8B57-45A4-855C-473967FBDB3B}" type="datetimeFigureOut">
-              <a:rPr lang="pt-BR" smtClean="0"/>
-              <a:t>09/09/2019</a:t>
+            <a:fld id="{884CF14B-2803-492F-8958-8EDD28B417D2}" type="datetimeFigureOut">
+              <a:rPr lang="en-US" smtClean="0"/>
+              <a:t>9/11/2019</a:t>
             </a:fld>
-            <a:endParaRPr lang="pt-BR"/>
-          </a:p>
-        </p:txBody>
-      </p:sp>
-      <p:sp>
-        <p:nvSpPr>
-          <p:cNvPr id="8" name="Espaço Reservado para Rodapé 7"/>
+            <a:endParaRPr lang="en-US" dirty="0"/>
+          </a:p>
+        </p:txBody>
+      </p:sp>
+      <p:sp>
+        <p:nvSpPr>
+          <p:cNvPr id="6" name="Footer Placeholder 5"/>
           <p:cNvSpPr>
             <a:spLocks noGrp="1"/>
           </p:cNvSpPr>
@@ -1629,13 +1603,13 @@
           <a:bodyPr/>
           <a:lstStyle/>
           <a:p>
-            <a:endParaRPr lang="pt-BR"/>
-          </a:p>
-        </p:txBody>
-      </p:sp>
-      <p:sp>
-        <p:nvSpPr>
-          <p:cNvPr id="9" name="Espaço Reservado para Número de Slide 8"/>
+            <a:endParaRPr lang="en-US" dirty="0"/>
+          </a:p>
+        </p:txBody>
+      </p:sp>
+      <p:sp>
+        <p:nvSpPr>
+          <p:cNvPr id="7" name="Slide Number Placeholder 6"/>
           <p:cNvSpPr>
             <a:spLocks noGrp="1"/>
           </p:cNvSpPr>
@@ -1648,18 +1622,18 @@
           <a:bodyPr/>
           <a:lstStyle/>
           <a:p>
-            <a:fld id="{B8E7513E-4E88-4CC7-B7E9-A330A735BD2A}" type="slidenum">
-              <a:rPr lang="pt-BR" smtClean="0"/>
+            <a:fld id="{B2936822-2815-4A98-B8E1-2BBE0B69F322}" type="slidenum">
+              <a:rPr lang="en-US" smtClean="0"/>
               <a:t>‹nº›</a:t>
             </a:fld>
-            <a:endParaRPr lang="pt-BR"/>
+            <a:endParaRPr lang="en-US" dirty="0"/>
           </a:p>
         </p:txBody>
       </p:sp>
     </p:spTree>
     <p:extLst>
       <p:ext uri="{BB962C8B-B14F-4D97-AF65-F5344CB8AC3E}">
-        <p14:creationId xmlns:p14="http://schemas.microsoft.com/office/powerpoint/2010/main" val="848245225"/>
+        <p14:creationId xmlns:p14="http://schemas.microsoft.com/office/powerpoint/2010/main" val="3019718347"/>
       </p:ext>
     </p:extLst>
   </p:cSld>
@@ -1669,9 +1643,9 @@
 </p:sldLayout>
 </file>
 
-<file path=ppt/slideLayouts/slideLayout6.xml><?xml version="1.0" encoding="utf-8"?>
-<p:sldLayout xmlns:a="http://schemas.openxmlformats.org/drawingml/2006/main" xmlns:r="http://schemas.openxmlformats.org/officeDocument/2006/relationships" xmlns:p="http://schemas.openxmlformats.org/presentationml/2006/main" type="titleOnly" preserve="1">
-  <p:cSld name="Somente Título">
+<file path=ppt/slideLayouts/slideLayout5.xml><?xml version="1.0" encoding="utf-8"?>
+<p:sldLayout xmlns:a="http://schemas.openxmlformats.org/drawingml/2006/main" xmlns:r="http://schemas.openxmlformats.org/officeDocument/2006/relationships" xmlns:p="http://schemas.openxmlformats.org/presentationml/2006/main" type="twoTxTwoObj" preserve="1">
+  <p:cSld name="Comparison">
     <p:spTree>
       <p:nvGrpSpPr>
         <p:cNvPr id="1" name=""/>
@@ -1688,7 +1662,7 @@
       </p:grpSpPr>
       <p:sp>
         <p:nvSpPr>
-          <p:cNvPr id="2" name="Título 1"/>
+          <p:cNvPr id="2" name="Title 1"/>
           <p:cNvSpPr>
             <a:spLocks noGrp="1"/>
           </p:cNvSpPr>
@@ -1696,27 +1670,296 @@
             <p:ph type="title"/>
           </p:nvPr>
         </p:nvSpPr>
+        <p:spPr>
+          <a:xfrm>
+            <a:off x="839788" y="365125"/>
+            <a:ext cx="10515600" cy="1325563"/>
+          </a:xfrm>
+        </p:spPr>
+        <p:txBody>
+          <a:bodyPr/>
+          <a:lstStyle/>
+          <a:p>
+            <a:r>
+              <a:rPr lang="en-US"/>
+              <a:t>Click to edit Master title style</a:t>
+            </a:r>
+          </a:p>
+        </p:txBody>
+      </p:sp>
+      <p:sp>
+        <p:nvSpPr>
+          <p:cNvPr id="3" name="Text Placeholder 2"/>
+          <p:cNvSpPr>
+            <a:spLocks noGrp="1"/>
+          </p:cNvSpPr>
+          <p:nvPr>
+            <p:ph type="body" idx="1"/>
+          </p:nvPr>
+        </p:nvSpPr>
+        <p:spPr>
+          <a:xfrm>
+            <a:off x="839788" y="1681163"/>
+            <a:ext cx="5157787" cy="823912"/>
+          </a:xfrm>
+        </p:spPr>
+        <p:txBody>
+          <a:bodyPr anchor="b"/>
+          <a:lstStyle>
+            <a:lvl1pPr marL="0" indent="0">
+              <a:buNone/>
+              <a:defRPr sz="2400" b="1"/>
+            </a:lvl1pPr>
+            <a:lvl2pPr marL="457200" indent="0">
+              <a:buNone/>
+              <a:defRPr sz="2000" b="1"/>
+            </a:lvl2pPr>
+            <a:lvl3pPr marL="914400" indent="0">
+              <a:buNone/>
+              <a:defRPr sz="1800" b="1"/>
+            </a:lvl3pPr>
+            <a:lvl4pPr marL="1371600" indent="0">
+              <a:buNone/>
+              <a:defRPr sz="1600" b="1"/>
+            </a:lvl4pPr>
+            <a:lvl5pPr marL="1828800" indent="0">
+              <a:buNone/>
+              <a:defRPr sz="1600" b="1"/>
+            </a:lvl5pPr>
+            <a:lvl6pPr marL="2286000" indent="0">
+              <a:buNone/>
+              <a:defRPr sz="1600" b="1"/>
+            </a:lvl6pPr>
+            <a:lvl7pPr marL="2743200" indent="0">
+              <a:buNone/>
+              <a:defRPr sz="1600" b="1"/>
+            </a:lvl7pPr>
+            <a:lvl8pPr marL="3200400" indent="0">
+              <a:buNone/>
+              <a:defRPr sz="1600" b="1"/>
+            </a:lvl8pPr>
+            <a:lvl9pPr marL="3657600" indent="0">
+              <a:buNone/>
+              <a:defRPr sz="1600" b="1"/>
+            </a:lvl9pPr>
+          </a:lstStyle>
+          <a:p>
+            <a:pPr lvl="0"/>
+            <a:r>
+              <a:rPr lang="en-US"/>
+              <a:t>Edit Master text styles</a:t>
+            </a:r>
+          </a:p>
+        </p:txBody>
+      </p:sp>
+      <p:sp>
+        <p:nvSpPr>
+          <p:cNvPr id="4" name="Content Placeholder 3"/>
+          <p:cNvSpPr>
+            <a:spLocks noGrp="1"/>
+          </p:cNvSpPr>
+          <p:nvPr>
+            <p:ph sz="half" idx="2"/>
+          </p:nvPr>
+        </p:nvSpPr>
+        <p:spPr>
+          <a:xfrm>
+            <a:off x="839788" y="2505075"/>
+            <a:ext cx="5157787" cy="3684588"/>
+          </a:xfrm>
+        </p:spPr>
+        <p:txBody>
+          <a:bodyPr/>
+          <a:lstStyle/>
+          <a:p>
+            <a:pPr lvl="0"/>
+            <a:r>
+              <a:rPr lang="en-US"/>
+              <a:t>Edit Master text styles</a:t>
+            </a:r>
+          </a:p>
+          <a:p>
+            <a:pPr lvl="1"/>
+            <a:r>
+              <a:rPr lang="en-US"/>
+              <a:t>Second level</a:t>
+            </a:r>
+          </a:p>
+          <a:p>
+            <a:pPr lvl="2"/>
+            <a:r>
+              <a:rPr lang="en-US"/>
+              <a:t>Third level</a:t>
+            </a:r>
+          </a:p>
+          <a:p>
+            <a:pPr lvl="3"/>
+            <a:r>
+              <a:rPr lang="en-US"/>
+              <a:t>Fourth level</a:t>
+            </a:r>
+          </a:p>
+          <a:p>
+            <a:pPr lvl="4"/>
+            <a:r>
+              <a:rPr lang="en-US"/>
+              <a:t>Fifth level</a:t>
+            </a:r>
+          </a:p>
+        </p:txBody>
+      </p:sp>
+      <p:sp>
+        <p:nvSpPr>
+          <p:cNvPr id="5" name="Text Placeholder 4"/>
+          <p:cNvSpPr>
+            <a:spLocks noGrp="1"/>
+          </p:cNvSpPr>
+          <p:nvPr>
+            <p:ph type="body" sz="quarter" idx="3"/>
+          </p:nvPr>
+        </p:nvSpPr>
+        <p:spPr>
+          <a:xfrm>
+            <a:off x="6172200" y="1681163"/>
+            <a:ext cx="5183188" cy="823912"/>
+          </a:xfrm>
+        </p:spPr>
+        <p:txBody>
+          <a:bodyPr anchor="b"/>
+          <a:lstStyle>
+            <a:lvl1pPr marL="0" indent="0">
+              <a:buNone/>
+              <a:defRPr sz="2400" b="1"/>
+            </a:lvl1pPr>
+            <a:lvl2pPr marL="457200" indent="0">
+              <a:buNone/>
+              <a:defRPr sz="2000" b="1"/>
+            </a:lvl2pPr>
+            <a:lvl3pPr marL="914400" indent="0">
+              <a:buNone/>
+              <a:defRPr sz="1800" b="1"/>
+            </a:lvl3pPr>
+            <a:lvl4pPr marL="1371600" indent="0">
+              <a:buNone/>
+              <a:defRPr sz="1600" b="1"/>
+            </a:lvl4pPr>
+            <a:lvl5pPr marL="1828800" indent="0">
+              <a:buNone/>
+              <a:defRPr sz="1600" b="1"/>
+            </a:lvl5pPr>
+            <a:lvl6pPr marL="2286000" indent="0">
+              <a:buNone/>
+              <a:defRPr sz="1600" b="1"/>
+            </a:lvl6pPr>
+            <a:lvl7pPr marL="2743200" indent="0">
+              <a:buNone/>
+              <a:defRPr sz="1600" b="1"/>
+            </a:lvl7pPr>
+            <a:lvl8pPr marL="3200400" indent="0">
+              <a:buNone/>
+              <a:defRPr sz="1600" b="1"/>
+            </a:lvl8pPr>
+            <a:lvl9pPr marL="3657600" indent="0">
+              <a:buNone/>
+              <a:defRPr sz="1600" b="1"/>
+            </a:lvl9pPr>
+          </a:lstStyle>
+          <a:p>
+            <a:pPr lvl="0"/>
+            <a:r>
+              <a:rPr lang="en-US"/>
+              <a:t>Edit Master text styles</a:t>
+            </a:r>
+          </a:p>
+        </p:txBody>
+      </p:sp>
+      <p:sp>
+        <p:nvSpPr>
+          <p:cNvPr id="6" name="Content Placeholder 5"/>
+          <p:cNvSpPr>
+            <a:spLocks noGrp="1"/>
+          </p:cNvSpPr>
+          <p:nvPr>
+            <p:ph sz="quarter" idx="4"/>
+          </p:nvPr>
+        </p:nvSpPr>
+        <p:spPr>
+          <a:xfrm>
+            <a:off x="6172200" y="2505075"/>
+            <a:ext cx="5183188" cy="3684588"/>
+          </a:xfrm>
+        </p:spPr>
+        <p:txBody>
+          <a:bodyPr/>
+          <a:lstStyle/>
+          <a:p>
+            <a:pPr lvl="0"/>
+            <a:r>
+              <a:rPr lang="en-US"/>
+              <a:t>Edit Master text styles</a:t>
+            </a:r>
+          </a:p>
+          <a:p>
+            <a:pPr lvl="1"/>
+            <a:r>
+              <a:rPr lang="en-US"/>
+              <a:t>Second level</a:t>
+            </a:r>
+          </a:p>
+          <a:p>
+            <a:pPr lvl="2"/>
+            <a:r>
+              <a:rPr lang="en-US"/>
+              <a:t>Third level</a:t>
+            </a:r>
+          </a:p>
+          <a:p>
+            <a:pPr lvl="3"/>
+            <a:r>
+              <a:rPr lang="en-US"/>
+              <a:t>Fourth level</a:t>
+            </a:r>
+          </a:p>
+          <a:p>
+            <a:pPr lvl="4"/>
+            <a:r>
+              <a:rPr lang="en-US"/>
+              <a:t>Fifth level</a:t>
+            </a:r>
+          </a:p>
+        </p:txBody>
+      </p:sp>
+      <p:sp>
+        <p:nvSpPr>
+          <p:cNvPr id="7" name="Date Placeholder 6"/>
+          <p:cNvSpPr>
+            <a:spLocks noGrp="1"/>
+          </p:cNvSpPr>
+          <p:nvPr>
+            <p:ph type="dt" sz="half" idx="10"/>
+          </p:nvPr>
+        </p:nvSpPr>
         <p:spPr/>
         <p:txBody>
           <a:bodyPr/>
           <a:lstStyle/>
           <a:p>
-            <a:r>
-              <a:rPr lang="pt-BR" smtClean="0"/>
-              <a:t>Clique para editar o título mestre</a:t>
-            </a:r>
-            <a:endParaRPr lang="pt-BR"/>
-          </a:p>
-        </p:txBody>
-      </p:sp>
-      <p:sp>
-        <p:nvSpPr>
-          <p:cNvPr id="3" name="Espaço Reservado para Data 2"/>
-          <p:cNvSpPr>
-            <a:spLocks noGrp="1"/>
-          </p:cNvSpPr>
-          <p:nvPr>
-            <p:ph type="dt" sz="half" idx="10"/>
+            <a:fld id="{884CF14B-2803-492F-8958-8EDD28B417D2}" type="datetimeFigureOut">
+              <a:rPr lang="en-US" smtClean="0"/>
+              <a:t>9/11/2019</a:t>
+            </a:fld>
+            <a:endParaRPr lang="en-US" dirty="0"/>
+          </a:p>
+        </p:txBody>
+      </p:sp>
+      <p:sp>
+        <p:nvSpPr>
+          <p:cNvPr id="8" name="Footer Placeholder 7"/>
+          <p:cNvSpPr>
+            <a:spLocks noGrp="1"/>
+          </p:cNvSpPr>
+          <p:nvPr>
+            <p:ph type="ftr" sz="quarter" idx="11"/>
           </p:nvPr>
         </p:nvSpPr>
         <p:spPr/>
@@ -1724,22 +1967,18 @@
           <a:bodyPr/>
           <a:lstStyle/>
           <a:p>
-            <a:fld id="{4B194036-8B57-45A4-855C-473967FBDB3B}" type="datetimeFigureOut">
-              <a:rPr lang="pt-BR" smtClean="0"/>
-              <a:t>09/09/2019</a:t>
-            </a:fld>
-            <a:endParaRPr lang="pt-BR"/>
-          </a:p>
-        </p:txBody>
-      </p:sp>
-      <p:sp>
-        <p:nvSpPr>
-          <p:cNvPr id="4" name="Espaço Reservado para Rodapé 3"/>
-          <p:cNvSpPr>
-            <a:spLocks noGrp="1"/>
-          </p:cNvSpPr>
-          <p:nvPr>
-            <p:ph type="ftr" sz="quarter" idx="11"/>
+            <a:endParaRPr lang="en-US" dirty="0"/>
+          </a:p>
+        </p:txBody>
+      </p:sp>
+      <p:sp>
+        <p:nvSpPr>
+          <p:cNvPr id="9" name="Slide Number Placeholder 8"/>
+          <p:cNvSpPr>
+            <a:spLocks noGrp="1"/>
+          </p:cNvSpPr>
+          <p:nvPr>
+            <p:ph type="sldNum" sz="quarter" idx="12"/>
           </p:nvPr>
         </p:nvSpPr>
         <p:spPr/>
@@ -1747,37 +1986,18 @@
           <a:bodyPr/>
           <a:lstStyle/>
           <a:p>
-            <a:endParaRPr lang="pt-BR"/>
-          </a:p>
-        </p:txBody>
-      </p:sp>
-      <p:sp>
-        <p:nvSpPr>
-          <p:cNvPr id="5" name="Espaço Reservado para Número de Slide 4"/>
-          <p:cNvSpPr>
-            <a:spLocks noGrp="1"/>
-          </p:cNvSpPr>
-          <p:nvPr>
-            <p:ph type="sldNum" sz="quarter" idx="12"/>
-          </p:nvPr>
-        </p:nvSpPr>
-        <p:spPr/>
-        <p:txBody>
-          <a:bodyPr/>
-          <a:lstStyle/>
-          <a:p>
-            <a:fld id="{B8E7513E-4E88-4CC7-B7E9-A330A735BD2A}" type="slidenum">
-              <a:rPr lang="pt-BR" smtClean="0"/>
+            <a:fld id="{B2936822-2815-4A98-B8E1-2BBE0B69F322}" type="slidenum">
+              <a:rPr lang="en-US" smtClean="0"/>
               <a:t>‹nº›</a:t>
             </a:fld>
-            <a:endParaRPr lang="pt-BR"/>
+            <a:endParaRPr lang="en-US" dirty="0"/>
           </a:p>
         </p:txBody>
       </p:sp>
     </p:spTree>
     <p:extLst>
       <p:ext uri="{BB962C8B-B14F-4D97-AF65-F5344CB8AC3E}">
-        <p14:creationId xmlns:p14="http://schemas.microsoft.com/office/powerpoint/2010/main" val="64263750"/>
+        <p14:creationId xmlns:p14="http://schemas.microsoft.com/office/powerpoint/2010/main" val="3267641833"/>
       </p:ext>
     </p:extLst>
   </p:cSld>
@@ -1787,9 +2007,9 @@
 </p:sldLayout>
 </file>
 
-<file path=ppt/slideLayouts/slideLayout7.xml><?xml version="1.0" encoding="utf-8"?>
-<p:sldLayout xmlns:a="http://schemas.openxmlformats.org/drawingml/2006/main" xmlns:r="http://schemas.openxmlformats.org/officeDocument/2006/relationships" xmlns:p="http://schemas.openxmlformats.org/presentationml/2006/main" type="blank" preserve="1">
-  <p:cSld name="Em branco">
+<file path=ppt/slideLayouts/slideLayout6.xml><?xml version="1.0" encoding="utf-8"?>
+<p:sldLayout xmlns:a="http://schemas.openxmlformats.org/drawingml/2006/main" xmlns:r="http://schemas.openxmlformats.org/officeDocument/2006/relationships" xmlns:p="http://schemas.openxmlformats.org/presentationml/2006/main" type="titleOnly" preserve="1">
+  <p:cSld name="Title Only">
     <p:spTree>
       <p:nvGrpSpPr>
         <p:cNvPr id="1" name=""/>
@@ -1806,7 +2026,29 @@
       </p:grpSpPr>
       <p:sp>
         <p:nvSpPr>
-          <p:cNvPr id="2" name="Espaço Reservado para Data 1"/>
+          <p:cNvPr id="2" name="Title 1"/>
+          <p:cNvSpPr>
+            <a:spLocks noGrp="1"/>
+          </p:cNvSpPr>
+          <p:nvPr>
+            <p:ph type="title"/>
+          </p:nvPr>
+        </p:nvSpPr>
+        <p:spPr/>
+        <p:txBody>
+          <a:bodyPr/>
+          <a:lstStyle/>
+          <a:p>
+            <a:r>
+              <a:rPr lang="en-US"/>
+              <a:t>Click to edit Master title style</a:t>
+            </a:r>
+          </a:p>
+        </p:txBody>
+      </p:sp>
+      <p:sp>
+        <p:nvSpPr>
+          <p:cNvPr id="3" name="Date Placeholder 2"/>
           <p:cNvSpPr>
             <a:spLocks noGrp="1"/>
           </p:cNvSpPr>
@@ -1819,17 +2061,17 @@
           <a:bodyPr/>
           <a:lstStyle/>
           <a:p>
-            <a:fld id="{4B194036-8B57-45A4-855C-473967FBDB3B}" type="datetimeFigureOut">
-              <a:rPr lang="pt-BR" smtClean="0"/>
-              <a:t>09/09/2019</a:t>
+            <a:fld id="{884CF14B-2803-492F-8958-8EDD28B417D2}" type="datetimeFigureOut">
+              <a:rPr lang="en-US" smtClean="0"/>
+              <a:t>9/11/2019</a:t>
             </a:fld>
-            <a:endParaRPr lang="pt-BR"/>
-          </a:p>
-        </p:txBody>
-      </p:sp>
-      <p:sp>
-        <p:nvSpPr>
-          <p:cNvPr id="3" name="Espaço Reservado para Rodapé 2"/>
+            <a:endParaRPr lang="en-US" dirty="0"/>
+          </a:p>
+        </p:txBody>
+      </p:sp>
+      <p:sp>
+        <p:nvSpPr>
+          <p:cNvPr id="4" name="Footer Placeholder 3"/>
           <p:cNvSpPr>
             <a:spLocks noGrp="1"/>
           </p:cNvSpPr>
@@ -1842,13 +2084,13 @@
           <a:bodyPr/>
           <a:lstStyle/>
           <a:p>
-            <a:endParaRPr lang="pt-BR"/>
-          </a:p>
-        </p:txBody>
-      </p:sp>
-      <p:sp>
-        <p:nvSpPr>
-          <p:cNvPr id="4" name="Espaço Reservado para Número de Slide 3"/>
+            <a:endParaRPr lang="en-US" dirty="0"/>
+          </a:p>
+        </p:txBody>
+      </p:sp>
+      <p:sp>
+        <p:nvSpPr>
+          <p:cNvPr id="5" name="Slide Number Placeholder 4"/>
           <p:cNvSpPr>
             <a:spLocks noGrp="1"/>
           </p:cNvSpPr>
@@ -1861,18 +2103,18 @@
           <a:bodyPr/>
           <a:lstStyle/>
           <a:p>
-            <a:fld id="{B8E7513E-4E88-4CC7-B7E9-A330A735BD2A}" type="slidenum">
-              <a:rPr lang="pt-BR" smtClean="0"/>
+            <a:fld id="{B2936822-2815-4A98-B8E1-2BBE0B69F322}" type="slidenum">
+              <a:rPr lang="en-US" smtClean="0"/>
               <a:t>‹nº›</a:t>
             </a:fld>
-            <a:endParaRPr lang="pt-BR"/>
+            <a:endParaRPr lang="en-US" dirty="0"/>
           </a:p>
         </p:txBody>
       </p:sp>
     </p:spTree>
     <p:extLst>
       <p:ext uri="{BB962C8B-B14F-4D97-AF65-F5344CB8AC3E}">
-        <p14:creationId xmlns:p14="http://schemas.microsoft.com/office/powerpoint/2010/main" val="3092548201"/>
+        <p14:creationId xmlns:p14="http://schemas.microsoft.com/office/powerpoint/2010/main" val="85261222"/>
       </p:ext>
     </p:extLst>
   </p:cSld>
@@ -1882,9 +2124,9 @@
 </p:sldLayout>
 </file>
 
-<file path=ppt/slideLayouts/slideLayout8.xml><?xml version="1.0" encoding="utf-8"?>
-<p:sldLayout xmlns:a="http://schemas.openxmlformats.org/drawingml/2006/main" xmlns:r="http://schemas.openxmlformats.org/officeDocument/2006/relationships" xmlns:p="http://schemas.openxmlformats.org/presentationml/2006/main" type="objTx" preserve="1">
-  <p:cSld name="Conteúdo com Legenda">
+<file path=ppt/slideLayouts/slideLayout7.xml><?xml version="1.0" encoding="utf-8"?>
+<p:sldLayout xmlns:a="http://schemas.openxmlformats.org/drawingml/2006/main" xmlns:r="http://schemas.openxmlformats.org/officeDocument/2006/relationships" xmlns:p="http://schemas.openxmlformats.org/presentationml/2006/main" type="blank" preserve="1">
+  <p:cSld name="Blank">
     <p:spTree>
       <p:nvGrpSpPr>
         <p:cNvPr id="1" name=""/>
@@ -1901,7 +2143,102 @@
       </p:grpSpPr>
       <p:sp>
         <p:nvSpPr>
-          <p:cNvPr id="2" name="Título 1"/>
+          <p:cNvPr id="2" name="Date Placeholder 1"/>
+          <p:cNvSpPr>
+            <a:spLocks noGrp="1"/>
+          </p:cNvSpPr>
+          <p:nvPr>
+            <p:ph type="dt" sz="half" idx="10"/>
+          </p:nvPr>
+        </p:nvSpPr>
+        <p:spPr/>
+        <p:txBody>
+          <a:bodyPr/>
+          <a:lstStyle/>
+          <a:p>
+            <a:fld id="{884CF14B-2803-492F-8958-8EDD28B417D2}" type="datetimeFigureOut">
+              <a:rPr lang="en-US" smtClean="0"/>
+              <a:t>9/11/2019</a:t>
+            </a:fld>
+            <a:endParaRPr lang="en-US" dirty="0"/>
+          </a:p>
+        </p:txBody>
+      </p:sp>
+      <p:sp>
+        <p:nvSpPr>
+          <p:cNvPr id="3" name="Footer Placeholder 2"/>
+          <p:cNvSpPr>
+            <a:spLocks noGrp="1"/>
+          </p:cNvSpPr>
+          <p:nvPr>
+            <p:ph type="ftr" sz="quarter" idx="11"/>
+          </p:nvPr>
+        </p:nvSpPr>
+        <p:spPr/>
+        <p:txBody>
+          <a:bodyPr/>
+          <a:lstStyle/>
+          <a:p>
+            <a:endParaRPr lang="en-US" dirty="0"/>
+          </a:p>
+        </p:txBody>
+      </p:sp>
+      <p:sp>
+        <p:nvSpPr>
+          <p:cNvPr id="4" name="Slide Number Placeholder 3"/>
+          <p:cNvSpPr>
+            <a:spLocks noGrp="1"/>
+          </p:cNvSpPr>
+          <p:nvPr>
+            <p:ph type="sldNum" sz="quarter" idx="12"/>
+          </p:nvPr>
+        </p:nvSpPr>
+        <p:spPr/>
+        <p:txBody>
+          <a:bodyPr/>
+          <a:lstStyle/>
+          <a:p>
+            <a:fld id="{B2936822-2815-4A98-B8E1-2BBE0B69F322}" type="slidenum">
+              <a:rPr lang="en-US" smtClean="0"/>
+              <a:t>‹nº›</a:t>
+            </a:fld>
+            <a:endParaRPr lang="en-US" dirty="0"/>
+          </a:p>
+        </p:txBody>
+      </p:sp>
+    </p:spTree>
+    <p:extLst>
+      <p:ext uri="{BB962C8B-B14F-4D97-AF65-F5344CB8AC3E}">
+        <p14:creationId xmlns:p14="http://schemas.microsoft.com/office/powerpoint/2010/main" val="271263356"/>
+      </p:ext>
+    </p:extLst>
+  </p:cSld>
+  <p:clrMapOvr>
+    <a:masterClrMapping/>
+  </p:clrMapOvr>
+</p:sldLayout>
+</file>
+
+<file path=ppt/slideLayouts/slideLayout8.xml><?xml version="1.0" encoding="utf-8"?>
+<p:sldLayout xmlns:a="http://schemas.openxmlformats.org/drawingml/2006/main" xmlns:r="http://schemas.openxmlformats.org/officeDocument/2006/relationships" xmlns:p="http://schemas.openxmlformats.org/presentationml/2006/main" type="objTx" preserve="1">
+  <p:cSld name="Content with Caption">
+    <p:spTree>
+      <p:nvGrpSpPr>
+        <p:cNvPr id="1" name=""/>
+        <p:cNvGrpSpPr/>
+        <p:nvPr/>
+      </p:nvGrpSpPr>
+      <p:grpSpPr>
+        <a:xfrm>
+          <a:off x="0" y="0"/>
+          <a:ext cx="0" cy="0"/>
+          <a:chOff x="0" y="0"/>
+          <a:chExt cx="0" cy="0"/>
+        </a:xfrm>
+      </p:grpSpPr>
+      <p:sp>
+        <p:nvSpPr>
+          <p:cNvPr id="2" name="Title 1"/>
           <p:cNvSpPr>
             <a:spLocks noGrp="1"/>
           </p:cNvSpPr>
@@ -1924,16 +2261,15 @@
           </a:lstStyle>
           <a:p>
             <a:r>
-              <a:rPr lang="pt-BR" smtClean="0"/>
-              <a:t>Clique para editar o título mestre</a:t>
-            </a:r>
-            <a:endParaRPr lang="pt-BR"/>
-          </a:p>
-        </p:txBody>
-      </p:sp>
-      <p:sp>
-        <p:nvSpPr>
-          <p:cNvPr id="3" name="Espaço Reservado para Conteúdo 2"/>
+              <a:rPr lang="en-US"/>
+              <a:t>Click to edit Master title style</a:t>
+            </a:r>
+          </a:p>
+        </p:txBody>
+      </p:sp>
+      <p:sp>
+        <p:nvSpPr>
+          <p:cNvPr id="3" name="Content Placeholder 2"/>
           <p:cNvSpPr>
             <a:spLocks noGrp="1"/>
           </p:cNvSpPr>
@@ -1981,44 +2317,43 @@
           <a:p>
             <a:pPr lvl="0"/>
             <a:r>
-              <a:rPr lang="pt-BR" smtClean="0"/>
-              <a:t>Editar estilos de texto Mestre</a:t>
+              <a:rPr lang="en-US"/>
+              <a:t>Edit Master text styles</a:t>
             </a:r>
           </a:p>
           <a:p>
             <a:pPr lvl="1"/>
             <a:r>
-              <a:rPr lang="pt-BR" smtClean="0"/>
-              <a:t>Segundo nível</a:t>
+              <a:rPr lang="en-US"/>
+              <a:t>Second level</a:t>
             </a:r>
           </a:p>
           <a:p>
             <a:pPr lvl="2"/>
             <a:r>
-              <a:rPr lang="pt-BR" smtClean="0"/>
-              <a:t>Terceiro nível</a:t>
+              <a:rPr lang="en-US"/>
+              <a:t>Third level</a:t>
             </a:r>
           </a:p>
           <a:p>
             <a:pPr lvl="3"/>
             <a:r>
-              <a:rPr lang="pt-BR" smtClean="0"/>
-              <a:t>Quarto nível</a:t>
+              <a:rPr lang="en-US"/>
+              <a:t>Fourth level</a:t>
             </a:r>
           </a:p>
           <a:p>
             <a:pPr lvl="4"/>
             <a:r>
-              <a:rPr lang="pt-BR" smtClean="0"/>
-              <a:t>Quinto nível</a:t>
-            </a:r>
-            <a:endParaRPr lang="pt-BR"/>
-          </a:p>
-        </p:txBody>
-      </p:sp>
-      <p:sp>
-        <p:nvSpPr>
-          <p:cNvPr id="4" name="Espaço Reservado para Texto 3"/>
+              <a:rPr lang="en-US"/>
+              <a:t>Fifth level</a:t>
+            </a:r>
+          </a:p>
+        </p:txBody>
+      </p:sp>
+      <p:sp>
+        <p:nvSpPr>
+          <p:cNvPr id="4" name="Text Placeholder 3"/>
           <p:cNvSpPr>
             <a:spLocks noGrp="1"/>
           </p:cNvSpPr>
@@ -2075,15 +2410,15 @@
           <a:p>
             <a:pPr lvl="0"/>
             <a:r>
-              <a:rPr lang="pt-BR" smtClean="0"/>
-              <a:t>Editar estilos de texto Mestre</a:t>
-            </a:r>
-          </a:p>
-        </p:txBody>
-      </p:sp>
-      <p:sp>
-        <p:nvSpPr>
-          <p:cNvPr id="5" name="Espaço Reservado para Data 4"/>
+              <a:rPr lang="en-US"/>
+              <a:t>Edit Master text styles</a:t>
+            </a:r>
+          </a:p>
+        </p:txBody>
+      </p:sp>
+      <p:sp>
+        <p:nvSpPr>
+          <p:cNvPr id="5" name="Date Placeholder 4"/>
           <p:cNvSpPr>
             <a:spLocks noGrp="1"/>
           </p:cNvSpPr>
@@ -2096,17 +2431,17 @@
           <a:bodyPr/>
           <a:lstStyle/>
           <a:p>
-            <a:fld id="{4B194036-8B57-45A4-855C-473967FBDB3B}" type="datetimeFigureOut">
-              <a:rPr lang="pt-BR" smtClean="0"/>
-              <a:t>09/09/2019</a:t>
+            <a:fld id="{884CF14B-2803-492F-8958-8EDD28B417D2}" type="datetimeFigureOut">
+              <a:rPr lang="en-US" smtClean="0"/>
+              <a:t>9/11/2019</a:t>
             </a:fld>
-            <a:endParaRPr lang="pt-BR"/>
-          </a:p>
-        </p:txBody>
-      </p:sp>
-      <p:sp>
-        <p:nvSpPr>
-          <p:cNvPr id="6" name="Espaço Reservado para Rodapé 5"/>
+            <a:endParaRPr lang="en-US" dirty="0"/>
+          </a:p>
+        </p:txBody>
+      </p:sp>
+      <p:sp>
+        <p:nvSpPr>
+          <p:cNvPr id="6" name="Footer Placeholder 5"/>
           <p:cNvSpPr>
             <a:spLocks noGrp="1"/>
           </p:cNvSpPr>
@@ -2119,13 +2454,13 @@
           <a:bodyPr/>
           <a:lstStyle/>
           <a:p>
-            <a:endParaRPr lang="pt-BR"/>
-          </a:p>
-        </p:txBody>
-      </p:sp>
-      <p:sp>
-        <p:nvSpPr>
-          <p:cNvPr id="7" name="Espaço Reservado para Número de Slide 6"/>
+            <a:endParaRPr lang="en-US" dirty="0"/>
+          </a:p>
+        </p:txBody>
+      </p:sp>
+      <p:sp>
+        <p:nvSpPr>
+          <p:cNvPr id="7" name="Slide Number Placeholder 6"/>
           <p:cNvSpPr>
             <a:spLocks noGrp="1"/>
           </p:cNvSpPr>
@@ -2138,18 +2473,18 @@
           <a:bodyPr/>
           <a:lstStyle/>
           <a:p>
-            <a:fld id="{B8E7513E-4E88-4CC7-B7E9-A330A735BD2A}" type="slidenum">
-              <a:rPr lang="pt-BR" smtClean="0"/>
+            <a:fld id="{B2936822-2815-4A98-B8E1-2BBE0B69F322}" type="slidenum">
+              <a:rPr lang="en-US" smtClean="0"/>
               <a:t>‹nº›</a:t>
             </a:fld>
-            <a:endParaRPr lang="pt-BR"/>
+            <a:endParaRPr lang="en-US" dirty="0"/>
           </a:p>
         </p:txBody>
       </p:sp>
     </p:spTree>
     <p:extLst>
       <p:ext uri="{BB962C8B-B14F-4D97-AF65-F5344CB8AC3E}">
-        <p14:creationId xmlns:p14="http://schemas.microsoft.com/office/powerpoint/2010/main" val="923683059"/>
+        <p14:creationId xmlns:p14="http://schemas.microsoft.com/office/powerpoint/2010/main" val="263749040"/>
       </p:ext>
     </p:extLst>
   </p:cSld>
@@ -2161,7 +2496,7 @@
 
 <file path=ppt/slideLayouts/slideLayout9.xml><?xml version="1.0" encoding="utf-8"?>
 <p:sldLayout xmlns:a="http://schemas.openxmlformats.org/drawingml/2006/main" xmlns:r="http://schemas.openxmlformats.org/officeDocument/2006/relationships" xmlns:p="http://schemas.openxmlformats.org/presentationml/2006/main" type="picTx" preserve="1">
-  <p:cSld name="Imagem com Legenda">
+  <p:cSld name="Picture with Caption">
     <p:spTree>
       <p:nvGrpSpPr>
         <p:cNvPr id="1" name=""/>
@@ -2178,7 +2513,7 @@
       </p:grpSpPr>
       <p:sp>
         <p:nvSpPr>
-          <p:cNvPr id="2" name="Título 1"/>
+          <p:cNvPr id="2" name="Title 1"/>
           <p:cNvSpPr>
             <a:spLocks noGrp="1"/>
           </p:cNvSpPr>
@@ -2201,16 +2536,15 @@
           </a:lstStyle>
           <a:p>
             <a:r>
-              <a:rPr lang="pt-BR" smtClean="0"/>
-              <a:t>Clique para editar o título mestre</a:t>
-            </a:r>
-            <a:endParaRPr lang="pt-BR"/>
-          </a:p>
-        </p:txBody>
-      </p:sp>
-      <p:sp>
-        <p:nvSpPr>
-          <p:cNvPr id="3" name="Espaço Reservado para Imagem 2"/>
+              <a:rPr lang="en-US"/>
+              <a:t>Click to edit Master title style</a:t>
+            </a:r>
+          </a:p>
+        </p:txBody>
+      </p:sp>
+      <p:sp>
+        <p:nvSpPr>
+          <p:cNvPr id="3" name="Picture Placeholder 2"/>
           <p:cNvSpPr>
             <a:spLocks noGrp="1"/>
           </p:cNvSpPr>
@@ -2265,13 +2599,13 @@
             </a:lvl9pPr>
           </a:lstStyle>
           <a:p>
-            <a:endParaRPr lang="pt-BR"/>
-          </a:p>
-        </p:txBody>
-      </p:sp>
-      <p:sp>
-        <p:nvSpPr>
-          <p:cNvPr id="4" name="Espaço Reservado para Texto 3"/>
+            <a:endParaRPr lang="en-US" dirty="0"/>
+          </a:p>
+        </p:txBody>
+      </p:sp>
+      <p:sp>
+        <p:nvSpPr>
+          <p:cNvPr id="4" name="Text Placeholder 3"/>
           <p:cNvSpPr>
             <a:spLocks noGrp="1"/>
           </p:cNvSpPr>
@@ -2328,15 +2662,15 @@
           <a:p>
             <a:pPr lvl="0"/>
             <a:r>
-              <a:rPr lang="pt-BR" smtClean="0"/>
-              <a:t>Editar estilos de texto Mestre</a:t>
-            </a:r>
-          </a:p>
-        </p:txBody>
-      </p:sp>
-      <p:sp>
-        <p:nvSpPr>
-          <p:cNvPr id="5" name="Espaço Reservado para Data 4"/>
+              <a:rPr lang="en-US"/>
+              <a:t>Edit Master text styles</a:t>
+            </a:r>
+          </a:p>
+        </p:txBody>
+      </p:sp>
+      <p:sp>
+        <p:nvSpPr>
+          <p:cNvPr id="5" name="Date Placeholder 4"/>
           <p:cNvSpPr>
             <a:spLocks noGrp="1"/>
           </p:cNvSpPr>
@@ -2349,17 +2683,17 @@
           <a:bodyPr/>
           <a:lstStyle/>
           <a:p>
-            <a:fld id="{4B194036-8B57-45A4-855C-473967FBDB3B}" type="datetimeFigureOut">
-              <a:rPr lang="pt-BR" smtClean="0"/>
-              <a:t>09/09/2019</a:t>
+            <a:fld id="{884CF14B-2803-492F-8958-8EDD28B417D2}" type="datetimeFigureOut">
+              <a:rPr lang="en-US" smtClean="0"/>
+              <a:t>9/11/2019</a:t>
             </a:fld>
-            <a:endParaRPr lang="pt-BR"/>
-          </a:p>
-        </p:txBody>
-      </p:sp>
-      <p:sp>
-        <p:nvSpPr>
-          <p:cNvPr id="6" name="Espaço Reservado para Rodapé 5"/>
+            <a:endParaRPr lang="en-US" dirty="0"/>
+          </a:p>
+        </p:txBody>
+      </p:sp>
+      <p:sp>
+        <p:nvSpPr>
+          <p:cNvPr id="6" name="Footer Placeholder 5"/>
           <p:cNvSpPr>
             <a:spLocks noGrp="1"/>
           </p:cNvSpPr>
@@ -2372,13 +2706,13 @@
           <a:bodyPr/>
           <a:lstStyle/>
           <a:p>
-            <a:endParaRPr lang="pt-BR"/>
-          </a:p>
-        </p:txBody>
-      </p:sp>
-      <p:sp>
-        <p:nvSpPr>
-          <p:cNvPr id="7" name="Espaço Reservado para Número de Slide 6"/>
+            <a:endParaRPr lang="en-US" dirty="0"/>
+          </a:p>
+        </p:txBody>
+      </p:sp>
+      <p:sp>
+        <p:nvSpPr>
+          <p:cNvPr id="7" name="Slide Number Placeholder 6"/>
           <p:cNvSpPr>
             <a:spLocks noGrp="1"/>
           </p:cNvSpPr>
@@ -2391,18 +2725,18 @@
           <a:bodyPr/>
           <a:lstStyle/>
           <a:p>
-            <a:fld id="{B8E7513E-4E88-4CC7-B7E9-A330A735BD2A}" type="slidenum">
-              <a:rPr lang="pt-BR" smtClean="0"/>
+            <a:fld id="{B2936822-2815-4A98-B8E1-2BBE0B69F322}" type="slidenum">
+              <a:rPr lang="en-US" smtClean="0"/>
               <a:t>‹nº›</a:t>
             </a:fld>
-            <a:endParaRPr lang="pt-BR"/>
+            <a:endParaRPr lang="en-US" dirty="0"/>
           </a:p>
         </p:txBody>
       </p:sp>
     </p:spTree>
     <p:extLst>
       <p:ext uri="{BB962C8B-B14F-4D97-AF65-F5344CB8AC3E}">
-        <p14:creationId xmlns:p14="http://schemas.microsoft.com/office/powerpoint/2010/main" val="1787467406"/>
+        <p14:creationId xmlns:p14="http://schemas.microsoft.com/office/powerpoint/2010/main" val="2934168194"/>
       </p:ext>
     </p:extLst>
   </p:cSld>
@@ -2416,9 +2750,12 @@
 <p:sldMaster xmlns:a="http://schemas.openxmlformats.org/drawingml/2006/main" xmlns:r="http://schemas.openxmlformats.org/officeDocument/2006/relationships" xmlns:p="http://schemas.openxmlformats.org/presentationml/2006/main">
   <p:cSld>
     <p:bg>
-      <p:bgRef idx="1001">
-        <a:schemeClr val="bg1"/>
-      </p:bgRef>
+      <p:bgPr>
+        <a:solidFill>
+          <a:schemeClr val="bg1"/>
+        </a:solidFill>
+        <a:effectLst/>
+      </p:bgPr>
     </p:bg>
     <p:spTree>
       <p:nvGrpSpPr>
@@ -2436,7 +2773,7 @@
       </p:grpSpPr>
       <p:sp>
         <p:nvSpPr>
-          <p:cNvPr id="2" name="Espaço Reservado para Título 1"/>
+          <p:cNvPr id="2" name="Title Placeholder 1"/>
           <p:cNvSpPr>
             <a:spLocks noGrp="1"/>
           </p:cNvSpPr>
@@ -2460,16 +2797,15 @@
           <a:lstStyle/>
           <a:p>
             <a:r>
-              <a:rPr lang="pt-BR" smtClean="0"/>
-              <a:t>Clique para editar o título mestre</a:t>
-            </a:r>
-            <a:endParaRPr lang="pt-BR"/>
-          </a:p>
-        </p:txBody>
-      </p:sp>
-      <p:sp>
-        <p:nvSpPr>
-          <p:cNvPr id="3" name="Espaço Reservado para Texto 2"/>
+              <a:rPr lang="en-US"/>
+              <a:t>Click to edit Master title style</a:t>
+            </a:r>
+          </a:p>
+        </p:txBody>
+      </p:sp>
+      <p:sp>
+        <p:nvSpPr>
+          <p:cNvPr id="3" name="Text Placeholder 2"/>
           <p:cNvSpPr>
             <a:spLocks noGrp="1"/>
           </p:cNvSpPr>
@@ -2494,44 +2830,43 @@
           <a:p>
             <a:pPr lvl="0"/>
             <a:r>
-              <a:rPr lang="pt-BR" smtClean="0"/>
-              <a:t>Editar estilos de texto Mestre</a:t>
+              <a:rPr lang="en-US"/>
+              <a:t>Edit Master text styles</a:t>
             </a:r>
           </a:p>
           <a:p>
             <a:pPr lvl="1"/>
             <a:r>
-              <a:rPr lang="pt-BR" smtClean="0"/>
-              <a:t>Segundo nível</a:t>
+              <a:rPr lang="en-US"/>
+              <a:t>Second level</a:t>
             </a:r>
           </a:p>
           <a:p>
             <a:pPr lvl="2"/>
             <a:r>
-              <a:rPr lang="pt-BR" smtClean="0"/>
-              <a:t>Terceiro nível</a:t>
+              <a:rPr lang="en-US"/>
+              <a:t>Third level</a:t>
             </a:r>
           </a:p>
           <a:p>
             <a:pPr lvl="3"/>
             <a:r>
-              <a:rPr lang="pt-BR" smtClean="0"/>
-              <a:t>Quarto nível</a:t>
+              <a:rPr lang="en-US"/>
+              <a:t>Fourth level</a:t>
             </a:r>
           </a:p>
           <a:p>
             <a:pPr lvl="4"/>
             <a:r>
-              <a:rPr lang="pt-BR" smtClean="0"/>
-              <a:t>Quinto nível</a:t>
-            </a:r>
-            <a:endParaRPr lang="pt-BR"/>
-          </a:p>
-        </p:txBody>
-      </p:sp>
-      <p:sp>
-        <p:nvSpPr>
-          <p:cNvPr id="4" name="Espaço Reservado para Data 3"/>
+              <a:rPr lang="en-US"/>
+              <a:t>Fifth level</a:t>
+            </a:r>
+          </a:p>
+        </p:txBody>
+      </p:sp>
+      <p:sp>
+        <p:nvSpPr>
+          <p:cNvPr id="4" name="Date Placeholder 3"/>
           <p:cNvSpPr>
             <a:spLocks noGrp="1"/>
           </p:cNvSpPr>
@@ -2562,17 +2897,17 @@
             </a:lvl1pPr>
           </a:lstStyle>
           <a:p>
-            <a:fld id="{4B194036-8B57-45A4-855C-473967FBDB3B}" type="datetimeFigureOut">
-              <a:rPr lang="pt-BR" smtClean="0"/>
-              <a:t>09/09/2019</a:t>
+            <a:fld id="{884CF14B-2803-492F-8958-8EDD28B417D2}" type="datetimeFigureOut">
+              <a:rPr lang="en-US" smtClean="0"/>
+              <a:t>9/11/2019</a:t>
             </a:fld>
-            <a:endParaRPr lang="pt-BR"/>
-          </a:p>
-        </p:txBody>
-      </p:sp>
-      <p:sp>
-        <p:nvSpPr>
-          <p:cNvPr id="5" name="Espaço Reservado para Rodapé 4"/>
+            <a:endParaRPr lang="en-US" dirty="0"/>
+          </a:p>
+        </p:txBody>
+      </p:sp>
+      <p:sp>
+        <p:nvSpPr>
+          <p:cNvPr id="5" name="Footer Placeholder 4"/>
           <p:cNvSpPr>
             <a:spLocks noGrp="1"/>
           </p:cNvSpPr>
@@ -2603,13 +2938,13 @@
             </a:lvl1pPr>
           </a:lstStyle>
           <a:p>
-            <a:endParaRPr lang="pt-BR"/>
-          </a:p>
-        </p:txBody>
-      </p:sp>
-      <p:sp>
-        <p:nvSpPr>
-          <p:cNvPr id="6" name="Espaço Reservado para Número de Slide 5"/>
+            <a:endParaRPr lang="en-US" dirty="0"/>
+          </a:p>
+        </p:txBody>
+      </p:sp>
+      <p:sp>
+        <p:nvSpPr>
+          <p:cNvPr id="6" name="Slide Number Placeholder 5"/>
           <p:cNvSpPr>
             <a:spLocks noGrp="1"/>
           </p:cNvSpPr>
@@ -2640,18 +2975,18 @@
             </a:lvl1pPr>
           </a:lstStyle>
           <a:p>
-            <a:fld id="{B8E7513E-4E88-4CC7-B7E9-A330A735BD2A}" type="slidenum">
-              <a:rPr lang="pt-BR" smtClean="0"/>
+            <a:fld id="{B2936822-2815-4A98-B8E1-2BBE0B69F322}" type="slidenum">
+              <a:rPr lang="en-US" smtClean="0"/>
               <a:t>‹nº›</a:t>
             </a:fld>
-            <a:endParaRPr lang="pt-BR"/>
+            <a:endParaRPr lang="en-US" dirty="0"/>
           </a:p>
         </p:txBody>
       </p:sp>
     </p:spTree>
     <p:extLst>
       <p:ext uri="{BB962C8B-B14F-4D97-AF65-F5344CB8AC3E}">
-        <p14:creationId xmlns:p14="http://schemas.microsoft.com/office/powerpoint/2010/main" val="57882941"/>
+        <p14:creationId xmlns:p14="http://schemas.microsoft.com/office/powerpoint/2010/main" val="888626059"/>
       </p:ext>
     </p:extLst>
   </p:cSld>
@@ -2855,7 +3190,7 @@
     </p:bodyStyle>
     <p:otherStyle>
       <a:defPPr>
-        <a:defRPr lang="pt-BR"/>
+        <a:defRPr lang="en-US"/>
       </a:defPPr>
       <a:lvl1pPr marL="0" algn="l" defTabSz="914400" rtl="0" eaLnBrk="1" latinLnBrk="0" hangingPunct="1">
         <a:defRPr sz="1800" kern="1200">
@@ -2971,23 +3306,85 @@
       </p:grpSpPr>
       <p:sp>
         <p:nvSpPr>
-          <p:cNvPr id="4" name="Retângulo 3"/>
-          <p:cNvSpPr/>
+          <p:cNvPr id="18" name="TextBox 17"/>
+          <p:cNvSpPr txBox="1"/>
           <p:nvPr/>
         </p:nvSpPr>
         <p:spPr>
           <a:xfrm>
-            <a:off x="0" y="3431520"/>
-            <a:ext cx="4064400" cy="3426480"/>
+            <a:off x="1718218" y="-98291"/>
+            <a:ext cx="9247240" cy="1015663"/>
           </a:xfrm>
           <a:prstGeom prst="rect">
             <a:avLst/>
           </a:prstGeom>
+          <a:noFill/>
+          <a:ln>
+            <a:noFill/>
+          </a:ln>
+        </p:spPr>
+        <p:txBody>
+          <a:bodyPr wrap="square" rtlCol="0">
+            <a:spAutoFit/>
+          </a:bodyPr>
+          <a:lstStyle/>
+          <a:p>
+            <a:pPr algn="ctr"/>
+            <a:r>
+              <a:rPr lang="pt-BR" sz="3000" spc="-150" dirty="0">
+                <a:solidFill>
+                  <a:schemeClr val="accent6"/>
+                </a:solidFill>
+                <a:latin typeface="Arial" panose="020B0604020202020204" pitchFamily="34" charset="0"/>
+                <a:cs typeface="Arial" panose="020B0604020202020204" pitchFamily="34" charset="0"/>
+              </a:rPr>
+              <a:t>User Stories</a:t>
+            </a:r>
+          </a:p>
+          <a:p>
+            <a:pPr algn="ctr"/>
+            <a:r>
+              <a:rPr lang="pt-BR" sz="3000" spc="-150" dirty="0">
+                <a:solidFill>
+                  <a:schemeClr val="accent6"/>
+                </a:solidFill>
+                <a:latin typeface="Arial" panose="020B0604020202020204" pitchFamily="34" charset="0"/>
+                <a:cs typeface="Arial" panose="020B0604020202020204" pitchFamily="34" charset="0"/>
+              </a:rPr>
+              <a:t>Empresa de jogos online</a:t>
+            </a:r>
+          </a:p>
+        </p:txBody>
+      </p:sp>
+      <p:sp>
+        <p:nvSpPr>
+          <p:cNvPr id="2" name="Retângulo: Canto Dobrado 1">
+            <a:extLst>
+              <a:ext uri="{FF2B5EF4-FFF2-40B4-BE49-F238E27FC236}">
+                <a16:creationId xmlns:a16="http://schemas.microsoft.com/office/drawing/2014/main" id="{8051336A-0C7C-47AD-8A91-E8EC189BB444}"/>
+              </a:ext>
+            </a:extLst>
+          </p:cNvPr>
+          <p:cNvSpPr/>
+          <p:nvPr/>
+        </p:nvSpPr>
+        <p:spPr>
+          <a:xfrm>
+            <a:off x="4646562" y="964261"/>
+            <a:ext cx="2790698" cy="2869145"/>
+          </a:xfrm>
+          <a:prstGeom prst="foldedCorner">
+            <a:avLst/>
+          </a:prstGeom>
           <a:solidFill>
-            <a:srgbClr val="E0C1FF"/>
+            <a:schemeClr val="accent1">
+              <a:lumMod val="75000"/>
+            </a:schemeClr>
           </a:solidFill>
           <a:ln>
-            <a:noFill/>
+            <a:solidFill>
+              <a:schemeClr val="tx1"/>
+            </a:solidFill>
           </a:ln>
         </p:spPr>
         <p:style>
@@ -3011,38 +3408,44 @@
           <a:lstStyle/>
           <a:p>
             <a:pPr algn="ctr"/>
-            <a:endParaRPr lang="pt-BR" sz="2400">
-              <a:solidFill>
-                <a:schemeClr val="tx1"/>
-              </a:solidFill>
-              <a:latin typeface="Arial" panose="020B0604020202020204" pitchFamily="34" charset="0"/>
-              <a:cs typeface="Arial" panose="020B0604020202020204" pitchFamily="34" charset="0"/>
-            </a:endParaRPr>
-          </a:p>
-        </p:txBody>
-      </p:sp>
-      <p:sp>
-        <p:nvSpPr>
-          <p:cNvPr id="5" name="Retângulo 4"/>
+            <a:r>
+              <a:rPr lang="pt-BR" dirty="0"/>
+              <a:t>Eu como uma empresa com servidor de jogos gostaria de banir jogadores que utilização algum tipo de trapaça nas partidas online. </a:t>
+            </a:r>
+          </a:p>
+          <a:p>
+            <a:pPr algn="ctr"/>
+            <a:endParaRPr lang="pt-BR" dirty="0"/>
+          </a:p>
+        </p:txBody>
+      </p:sp>
+      <p:sp>
+        <p:nvSpPr>
+          <p:cNvPr id="13" name="Retângulo: Canto Dobrado 12">
+            <a:extLst>
+              <a:ext uri="{FF2B5EF4-FFF2-40B4-BE49-F238E27FC236}">
+                <a16:creationId xmlns:a16="http://schemas.microsoft.com/office/drawing/2014/main" id="{4ABEB772-80DF-4654-903D-B0ACD289D33B}"/>
+              </a:ext>
+            </a:extLst>
+          </p:cNvPr>
           <p:cNvSpPr/>
           <p:nvPr/>
         </p:nvSpPr>
         <p:spPr>
           <a:xfrm>
-            <a:off x="4064400" y="3431520"/>
-            <a:ext cx="4064400" cy="3426480"/>
+            <a:off x="8886704" y="964260"/>
+            <a:ext cx="2790698" cy="2869145"/>
           </a:xfrm>
-          <a:prstGeom prst="rect">
+          <a:prstGeom prst="foldedCorner">
             <a:avLst/>
           </a:prstGeom>
           <a:solidFill>
-            <a:schemeClr val="accent4">
-              <a:lumMod val="20000"/>
-              <a:lumOff val="80000"/>
-            </a:schemeClr>
+            <a:schemeClr val="accent6"/>
           </a:solidFill>
           <a:ln>
-            <a:noFill/>
+            <a:solidFill>
+              <a:schemeClr val="tx1"/>
+            </a:solidFill>
           </a:ln>
         </p:spPr>
         <p:style>
@@ -3066,38 +3469,44 @@
           <a:lstStyle/>
           <a:p>
             <a:pPr algn="ctr"/>
-            <a:endParaRPr lang="pt-BR" sz="2400">
-              <a:solidFill>
-                <a:schemeClr val="tx1"/>
-              </a:solidFill>
-              <a:latin typeface="Arial" panose="020B0604020202020204" pitchFamily="34" charset="0"/>
-              <a:cs typeface="Arial" panose="020B0604020202020204" pitchFamily="34" charset="0"/>
-            </a:endParaRPr>
-          </a:p>
-        </p:txBody>
-      </p:sp>
-      <p:sp>
-        <p:nvSpPr>
-          <p:cNvPr id="6" name="Retângulo 5"/>
+            <a:r>
+              <a:rPr lang="pt-BR" dirty="0"/>
+              <a:t>Eu como uma empresa com servidor de jogos gostaria de um serviço por assinatura para meus usuários.</a:t>
+            </a:r>
+          </a:p>
+          <a:p>
+            <a:pPr algn="ctr"/>
+            <a:endParaRPr lang="pt-BR" dirty="0"/>
+          </a:p>
+        </p:txBody>
+      </p:sp>
+      <p:sp>
+        <p:nvSpPr>
+          <p:cNvPr id="15" name="Retângulo: Canto Dobrado 14">
+            <a:extLst>
+              <a:ext uri="{FF2B5EF4-FFF2-40B4-BE49-F238E27FC236}">
+                <a16:creationId xmlns:a16="http://schemas.microsoft.com/office/drawing/2014/main" id="{97ECDAFC-82FA-4755-BD6B-9CD83E01D67E}"/>
+              </a:ext>
+            </a:extLst>
+          </p:cNvPr>
           <p:cNvSpPr/>
           <p:nvPr/>
         </p:nvSpPr>
         <p:spPr>
           <a:xfrm>
-            <a:off x="8127600" y="3447874"/>
-            <a:ext cx="4064400" cy="3410126"/>
+            <a:off x="522003" y="964261"/>
+            <a:ext cx="2790698" cy="2869145"/>
           </a:xfrm>
-          <a:prstGeom prst="rect">
+          <a:prstGeom prst="foldedCorner">
             <a:avLst/>
           </a:prstGeom>
           <a:solidFill>
-            <a:schemeClr val="accent2">
-              <a:lumMod val="20000"/>
-              <a:lumOff val="80000"/>
-            </a:schemeClr>
+            <a:schemeClr val="accent1"/>
           </a:solidFill>
           <a:ln>
-            <a:noFill/>
+            <a:solidFill>
+              <a:schemeClr val="tx1"/>
+            </a:solidFill>
           </a:ln>
         </p:spPr>
         <p:style>
@@ -3121,35 +3530,44 @@
           <a:lstStyle/>
           <a:p>
             <a:pPr algn="ctr"/>
-            <a:endParaRPr lang="pt-BR" sz="2400">
-              <a:solidFill>
-                <a:schemeClr val="tx1"/>
-              </a:solidFill>
-              <a:latin typeface="Arial" panose="020B0604020202020204" pitchFamily="34" charset="0"/>
-              <a:cs typeface="Arial" panose="020B0604020202020204" pitchFamily="34" charset="0"/>
-            </a:endParaRPr>
-          </a:p>
-        </p:txBody>
-      </p:sp>
-      <p:sp>
-        <p:nvSpPr>
-          <p:cNvPr id="7" name="Retângulo 6"/>
+            <a:r>
+              <a:rPr lang="pt-BR" dirty="0"/>
+              <a:t>Eu como uma empresa com servidor de jogos gostaria de ter um dashboard e um analytics que mostre o gerenciamento de processos em tempo real.</a:t>
+            </a:r>
+          </a:p>
+          <a:p>
+            <a:pPr algn="ctr"/>
+            <a:endParaRPr lang="pt-BR" dirty="0"/>
+          </a:p>
+        </p:txBody>
+      </p:sp>
+      <p:sp>
+        <p:nvSpPr>
+          <p:cNvPr id="16" name="Retângulo: Canto Dobrado 15">
+            <a:extLst>
+              <a:ext uri="{FF2B5EF4-FFF2-40B4-BE49-F238E27FC236}">
+                <a16:creationId xmlns:a16="http://schemas.microsoft.com/office/drawing/2014/main" id="{B08CD9BD-E377-4052-A43A-2ED77A6DEB42}"/>
+              </a:ext>
+            </a:extLst>
+          </p:cNvPr>
           <p:cNvSpPr/>
           <p:nvPr/>
         </p:nvSpPr>
         <p:spPr>
           <a:xfrm>
-            <a:off x="0" y="4320"/>
-            <a:ext cx="4064400" cy="3427200"/>
+            <a:off x="514598" y="3927181"/>
+            <a:ext cx="2790698" cy="2869145"/>
           </a:xfrm>
-          <a:prstGeom prst="rect">
+          <a:prstGeom prst="foldedCorner">
             <a:avLst/>
           </a:prstGeom>
           <a:solidFill>
-            <a:srgbClr val="D4E5F4"/>
+            <a:schemeClr val="accent1"/>
           </a:solidFill>
           <a:ln>
-            <a:noFill/>
+            <a:solidFill>
+              <a:schemeClr val="tx1"/>
+            </a:solidFill>
           </a:ln>
         </p:spPr>
         <p:style>
@@ -3174,104 +3592,45 @@
           <a:p>
             <a:pPr algn="ctr"/>
             <a:r>
-              <a:rPr lang="pt-BR" sz="2400" dirty="0" smtClean="0">
-                <a:solidFill>
-                  <a:schemeClr val="tx1"/>
-                </a:solidFill>
-                <a:latin typeface="Arial" panose="020B0604020202020204" pitchFamily="34" charset="0"/>
-                <a:cs typeface="Arial" panose="020B0604020202020204" pitchFamily="34" charset="0"/>
-              </a:rPr>
-              <a:t>“Eu como </a:t>
-            </a:r>
-            <a:r>
-              <a:rPr lang="pt-BR" sz="2400" dirty="0" err="1" smtClean="0">
-                <a:solidFill>
-                  <a:schemeClr val="tx1"/>
-                </a:solidFill>
-                <a:latin typeface="Arial" panose="020B0604020202020204" pitchFamily="34" charset="0"/>
-                <a:cs typeface="Arial" panose="020B0604020202020204" pitchFamily="34" charset="0"/>
-              </a:rPr>
-              <a:t>boscisicjd</a:t>
-            </a:r>
-            <a:r>
-              <a:rPr lang="pt-BR" sz="2400" dirty="0" smtClean="0">
-                <a:solidFill>
-                  <a:schemeClr val="tx1"/>
-                </a:solidFill>
-                <a:latin typeface="Arial" panose="020B0604020202020204" pitchFamily="34" charset="0"/>
-                <a:cs typeface="Arial" panose="020B0604020202020204" pitchFamily="34" charset="0"/>
-              </a:rPr>
-              <a:t> gostaria de um </a:t>
-            </a:r>
-            <a:r>
-              <a:rPr lang="pt-BR" sz="2400" dirty="0" err="1" smtClean="0">
-                <a:solidFill>
-                  <a:schemeClr val="tx1"/>
-                </a:solidFill>
-                <a:latin typeface="Arial" panose="020B0604020202020204" pitchFamily="34" charset="0"/>
-                <a:cs typeface="Arial" panose="020B0604020202020204" pitchFamily="34" charset="0"/>
-              </a:rPr>
-              <a:t>sokdvpojdfvdfi</a:t>
-            </a:r>
-            <a:r>
-              <a:rPr lang="pt-BR" sz="2400" dirty="0" smtClean="0">
-                <a:solidFill>
-                  <a:schemeClr val="tx1"/>
-                </a:solidFill>
-                <a:latin typeface="Arial" panose="020B0604020202020204" pitchFamily="34" charset="0"/>
-                <a:cs typeface="Arial" panose="020B0604020202020204" pitchFamily="34" charset="0"/>
-              </a:rPr>
-              <a:t> para </a:t>
-            </a:r>
-            <a:r>
-              <a:rPr lang="pt-BR" sz="2400" dirty="0" err="1" smtClean="0">
-                <a:solidFill>
-                  <a:schemeClr val="tx1"/>
-                </a:solidFill>
-                <a:latin typeface="Arial" panose="020B0604020202020204" pitchFamily="34" charset="0"/>
-                <a:cs typeface="Arial" panose="020B0604020202020204" pitchFamily="34" charset="0"/>
-              </a:rPr>
-              <a:t>oscdiididsvjidv</a:t>
-            </a:r>
-            <a:r>
-              <a:rPr lang="pt-BR" sz="2400" dirty="0" smtClean="0">
-                <a:solidFill>
-                  <a:schemeClr val="tx1"/>
-                </a:solidFill>
-                <a:latin typeface="Arial" panose="020B0604020202020204" pitchFamily="34" charset="0"/>
-                <a:cs typeface="Arial" panose="020B0604020202020204" pitchFamily="34" charset="0"/>
-              </a:rPr>
-              <a:t>.”</a:t>
-            </a:r>
-            <a:endParaRPr lang="pt-BR" sz="2400" dirty="0">
-              <a:solidFill>
-                <a:schemeClr val="tx1"/>
-              </a:solidFill>
-              <a:latin typeface="Arial" panose="020B0604020202020204" pitchFamily="34" charset="0"/>
-              <a:cs typeface="Arial" panose="020B0604020202020204" pitchFamily="34" charset="0"/>
-            </a:endParaRPr>
-          </a:p>
-        </p:txBody>
-      </p:sp>
-      <p:sp>
-        <p:nvSpPr>
-          <p:cNvPr id="8" name="Retângulo 7"/>
+              <a:rPr lang="pt-BR" dirty="0"/>
+              <a:t>Eu como uma empresa com servidor de jogos gostaria de administrar a priorização dos jogadores nos servidores.</a:t>
+            </a:r>
+          </a:p>
+          <a:p>
+            <a:pPr algn="ctr"/>
+            <a:endParaRPr lang="pt-BR" dirty="0"/>
+          </a:p>
+        </p:txBody>
+      </p:sp>
+      <p:sp>
+        <p:nvSpPr>
+          <p:cNvPr id="17" name="Retângulo: Canto Dobrado 16">
+            <a:extLst>
+              <a:ext uri="{FF2B5EF4-FFF2-40B4-BE49-F238E27FC236}">
+                <a16:creationId xmlns:a16="http://schemas.microsoft.com/office/drawing/2014/main" id="{DD3451F5-A076-49DA-AA5D-634A7061DCCA}"/>
+              </a:ext>
+            </a:extLst>
+          </p:cNvPr>
           <p:cNvSpPr/>
           <p:nvPr/>
         </p:nvSpPr>
         <p:spPr>
           <a:xfrm>
-            <a:off x="4064400" y="0"/>
-            <a:ext cx="4064400" cy="3431520"/>
+            <a:off x="4646562" y="3927182"/>
+            <a:ext cx="2790698" cy="2869145"/>
           </a:xfrm>
-          <a:prstGeom prst="rect">
+          <a:prstGeom prst="foldedCorner">
             <a:avLst/>
           </a:prstGeom>
           <a:solidFill>
-            <a:srgbClr val="FFCDE6"/>
+            <a:schemeClr val="accent1">
+              <a:lumMod val="75000"/>
+            </a:schemeClr>
           </a:solidFill>
           <a:ln>
-            <a:noFill/>
+            <a:solidFill>
+              <a:schemeClr val="tx1"/>
+            </a:solidFill>
           </a:ln>
         </p:spPr>
         <p:style>
@@ -3295,35 +3654,44 @@
           <a:lstStyle/>
           <a:p>
             <a:pPr algn="ctr"/>
-            <a:endParaRPr lang="pt-BR" sz="2400">
-              <a:solidFill>
-                <a:schemeClr val="tx1"/>
-              </a:solidFill>
-              <a:latin typeface="Arial" panose="020B0604020202020204" pitchFamily="34" charset="0"/>
-              <a:cs typeface="Arial" panose="020B0604020202020204" pitchFamily="34" charset="0"/>
-            </a:endParaRPr>
-          </a:p>
-        </p:txBody>
-      </p:sp>
-      <p:sp>
-        <p:nvSpPr>
-          <p:cNvPr id="9" name="Retângulo 8"/>
+            <a:r>
+              <a:rPr lang="pt-BR" dirty="0"/>
+              <a:t>Eu como uma empresa com servidor de jogos gostaria de ter um controle de usuários nos meus servidores.</a:t>
+            </a:r>
+          </a:p>
+          <a:p>
+            <a:pPr algn="ctr"/>
+            <a:endParaRPr lang="pt-BR" dirty="0"/>
+          </a:p>
+        </p:txBody>
+      </p:sp>
+      <p:sp>
+        <p:nvSpPr>
+          <p:cNvPr id="21" name="Retângulo: Canto Dobrado 20">
+            <a:extLst>
+              <a:ext uri="{FF2B5EF4-FFF2-40B4-BE49-F238E27FC236}">
+                <a16:creationId xmlns:a16="http://schemas.microsoft.com/office/drawing/2014/main" id="{39AC6869-424D-40DD-872D-06FAB38BC9DD}"/>
+              </a:ext>
+            </a:extLst>
+          </p:cNvPr>
           <p:cNvSpPr/>
           <p:nvPr/>
         </p:nvSpPr>
         <p:spPr>
           <a:xfrm>
-            <a:off x="8127600" y="-16354"/>
-            <a:ext cx="4064400" cy="3447874"/>
+            <a:off x="8886704" y="3916544"/>
+            <a:ext cx="2790698" cy="2869145"/>
           </a:xfrm>
-          <a:prstGeom prst="rect">
+          <a:prstGeom prst="foldedCorner">
             <a:avLst/>
           </a:prstGeom>
           <a:solidFill>
-            <a:srgbClr val="E6F2DE"/>
+            <a:schemeClr val="accent6"/>
           </a:solidFill>
           <a:ln>
-            <a:noFill/>
+            <a:solidFill>
+              <a:schemeClr val="tx1"/>
+            </a:solidFill>
           </a:ln>
         </p:spPr>
         <p:style>
@@ -3347,38 +3715,757 @@
           <a:lstStyle/>
           <a:p>
             <a:pPr algn="ctr"/>
-            <a:endParaRPr lang="pt-BR" sz="2400">
-              <a:solidFill>
-                <a:schemeClr val="tx1"/>
-              </a:solidFill>
-              <a:latin typeface="Arial" panose="020B0604020202020204" pitchFamily="34" charset="0"/>
-              <a:cs typeface="Arial" panose="020B0604020202020204" pitchFamily="34" charset="0"/>
-            </a:endParaRPr>
+            <a:r>
+              <a:rPr lang="pt-BR" dirty="0"/>
+              <a:t>Eu como uma empresa com servidor de jogos gostaria de manter a estabilidade dos meus servidores.</a:t>
+            </a:r>
           </a:p>
         </p:txBody>
       </p:sp>
     </p:spTree>
     <p:extLst>
       <p:ext uri="{BB962C8B-B14F-4D97-AF65-F5344CB8AC3E}">
-        <p14:creationId xmlns:p14="http://schemas.microsoft.com/office/powerpoint/2010/main" val="664884736"/>
+        <p14:creationId xmlns:p14="http://schemas.microsoft.com/office/powerpoint/2010/main" val="512420511"/>
       </p:ext>
     </p:extLst>
   </p:cSld>
   <p:clrMapOvr>
     <a:masterClrMapping/>
   </p:clrMapOvr>
-  <p:timing>
-    <p:tnLst>
-      <p:par>
-        <p:cTn id="1" dur="indefinite" restart="never" nodeType="tmRoot"/>
-      </p:par>
-    </p:tnLst>
-  </p:timing>
+</p:sld>
+</file>
+
+<file path=ppt/slides/slide2.xml><?xml version="1.0" encoding="utf-8"?>
+<p:sld xmlns:a="http://schemas.openxmlformats.org/drawingml/2006/main" xmlns:r="http://schemas.openxmlformats.org/officeDocument/2006/relationships" xmlns:p="http://schemas.openxmlformats.org/presentationml/2006/main">
+  <p:cSld>
+    <p:spTree>
+      <p:nvGrpSpPr>
+        <p:cNvPr id="1" name=""/>
+        <p:cNvGrpSpPr/>
+        <p:nvPr/>
+      </p:nvGrpSpPr>
+      <p:grpSpPr>
+        <a:xfrm>
+          <a:off x="0" y="0"/>
+          <a:ext cx="0" cy="0"/>
+          <a:chOff x="0" y="0"/>
+          <a:chExt cx="0" cy="0"/>
+        </a:xfrm>
+      </p:grpSpPr>
+      <p:sp>
+        <p:nvSpPr>
+          <p:cNvPr id="2" name="Retângulo: Canto Dobrado 1">
+            <a:extLst>
+              <a:ext uri="{FF2B5EF4-FFF2-40B4-BE49-F238E27FC236}">
+                <a16:creationId xmlns:a16="http://schemas.microsoft.com/office/drawing/2014/main" id="{8051336A-0C7C-47AD-8A91-E8EC189BB444}"/>
+              </a:ext>
+            </a:extLst>
+          </p:cNvPr>
+          <p:cNvSpPr/>
+          <p:nvPr/>
+        </p:nvSpPr>
+        <p:spPr>
+          <a:xfrm>
+            <a:off x="4646562" y="844530"/>
+            <a:ext cx="2790698" cy="2869145"/>
+          </a:xfrm>
+          <a:prstGeom prst="foldedCorner">
+            <a:avLst/>
+          </a:prstGeom>
+          <a:solidFill>
+            <a:schemeClr val="accent1">
+              <a:lumMod val="75000"/>
+            </a:schemeClr>
+          </a:solidFill>
+          <a:ln>
+            <a:solidFill>
+              <a:schemeClr val="tx1"/>
+            </a:solidFill>
+          </a:ln>
+        </p:spPr>
+        <p:style>
+          <a:lnRef idx="2">
+            <a:schemeClr val="accent1">
+              <a:shade val="50000"/>
+            </a:schemeClr>
+          </a:lnRef>
+          <a:fillRef idx="1">
+            <a:schemeClr val="accent1"/>
+          </a:fillRef>
+          <a:effectRef idx="0">
+            <a:schemeClr val="accent1"/>
+          </a:effectRef>
+          <a:fontRef idx="minor">
+            <a:schemeClr val="lt1"/>
+          </a:fontRef>
+        </p:style>
+        <p:txBody>
+          <a:bodyPr rtlCol="0" anchor="ctr"/>
+          <a:lstStyle/>
+          <a:p>
+            <a:pPr algn="ctr"/>
+            <a:r>
+              <a:rPr lang="pt-BR" dirty="0"/>
+              <a:t>Eu como usuário gostaria de jogar partidas sem hackers</a:t>
+            </a:r>
+          </a:p>
+          <a:p>
+            <a:pPr algn="ctr"/>
+            <a:endParaRPr lang="pt-BR" dirty="0"/>
+          </a:p>
+        </p:txBody>
+      </p:sp>
+      <p:sp>
+        <p:nvSpPr>
+          <p:cNvPr id="13" name="Retângulo: Canto Dobrado 12">
+            <a:extLst>
+              <a:ext uri="{FF2B5EF4-FFF2-40B4-BE49-F238E27FC236}">
+                <a16:creationId xmlns:a16="http://schemas.microsoft.com/office/drawing/2014/main" id="{4ABEB772-80DF-4654-903D-B0ACD289D33B}"/>
+              </a:ext>
+            </a:extLst>
+          </p:cNvPr>
+          <p:cNvSpPr/>
+          <p:nvPr/>
+        </p:nvSpPr>
+        <p:spPr>
+          <a:xfrm>
+            <a:off x="8886704" y="865671"/>
+            <a:ext cx="2790698" cy="2869145"/>
+          </a:xfrm>
+          <a:prstGeom prst="foldedCorner">
+            <a:avLst/>
+          </a:prstGeom>
+          <a:solidFill>
+            <a:schemeClr val="accent6"/>
+          </a:solidFill>
+          <a:ln>
+            <a:solidFill>
+              <a:schemeClr val="tx1"/>
+            </a:solidFill>
+          </a:ln>
+        </p:spPr>
+        <p:style>
+          <a:lnRef idx="2">
+            <a:schemeClr val="accent1">
+              <a:shade val="50000"/>
+            </a:schemeClr>
+          </a:lnRef>
+          <a:fillRef idx="1">
+            <a:schemeClr val="accent1"/>
+          </a:fillRef>
+          <a:effectRef idx="0">
+            <a:schemeClr val="accent1"/>
+          </a:effectRef>
+          <a:fontRef idx="minor">
+            <a:schemeClr val="lt1"/>
+          </a:fontRef>
+        </p:style>
+        <p:txBody>
+          <a:bodyPr rtlCol="0" anchor="ctr"/>
+          <a:lstStyle/>
+          <a:p>
+            <a:pPr algn="ctr"/>
+            <a:r>
+              <a:rPr lang="pt-BR" dirty="0"/>
+              <a:t>Eu como usuário gostaria de jogar sem latência em partidas online</a:t>
+            </a:r>
+          </a:p>
+          <a:p>
+            <a:pPr algn="ctr"/>
+            <a:endParaRPr lang="pt-BR" dirty="0"/>
+          </a:p>
+        </p:txBody>
+      </p:sp>
+      <p:sp>
+        <p:nvSpPr>
+          <p:cNvPr id="15" name="Retângulo: Canto Dobrado 14">
+            <a:extLst>
+              <a:ext uri="{FF2B5EF4-FFF2-40B4-BE49-F238E27FC236}">
+                <a16:creationId xmlns:a16="http://schemas.microsoft.com/office/drawing/2014/main" id="{97ECDAFC-82FA-4755-BD6B-9CD83E01D67E}"/>
+              </a:ext>
+            </a:extLst>
+          </p:cNvPr>
+          <p:cNvSpPr/>
+          <p:nvPr/>
+        </p:nvSpPr>
+        <p:spPr>
+          <a:xfrm>
+            <a:off x="514598" y="797949"/>
+            <a:ext cx="2790698" cy="2869145"/>
+          </a:xfrm>
+          <a:prstGeom prst="foldedCorner">
+            <a:avLst/>
+          </a:prstGeom>
+          <a:solidFill>
+            <a:schemeClr val="accent1"/>
+          </a:solidFill>
+          <a:ln>
+            <a:solidFill>
+              <a:schemeClr val="tx1"/>
+            </a:solidFill>
+          </a:ln>
+        </p:spPr>
+        <p:style>
+          <a:lnRef idx="2">
+            <a:schemeClr val="accent1">
+              <a:shade val="50000"/>
+            </a:schemeClr>
+          </a:lnRef>
+          <a:fillRef idx="1">
+            <a:schemeClr val="accent1"/>
+          </a:fillRef>
+          <a:effectRef idx="0">
+            <a:schemeClr val="accent1"/>
+          </a:effectRef>
+          <a:fontRef idx="minor">
+            <a:schemeClr val="lt1"/>
+          </a:fontRef>
+        </p:style>
+        <p:txBody>
+          <a:bodyPr rtlCol="0" anchor="ctr"/>
+          <a:lstStyle/>
+          <a:p>
+            <a:pPr algn="ctr"/>
+            <a:r>
+              <a:rPr lang="pt-BR" dirty="0"/>
+              <a:t>Eu como usuário gostaria de </a:t>
+            </a:r>
+          </a:p>
+          <a:p>
+            <a:pPr algn="ctr"/>
+            <a:r>
+              <a:rPr lang="pt-BR" dirty="0"/>
+              <a:t>ter a possibilidade de dar feedback.</a:t>
+            </a:r>
+          </a:p>
+          <a:p>
+            <a:pPr algn="ctr"/>
+            <a:endParaRPr lang="pt-BR" dirty="0"/>
+          </a:p>
+        </p:txBody>
+      </p:sp>
+      <p:sp>
+        <p:nvSpPr>
+          <p:cNvPr id="16" name="Retângulo: Canto Dobrado 15">
+            <a:extLst>
+              <a:ext uri="{FF2B5EF4-FFF2-40B4-BE49-F238E27FC236}">
+                <a16:creationId xmlns:a16="http://schemas.microsoft.com/office/drawing/2014/main" id="{B08CD9BD-E377-4052-A43A-2ED77A6DEB42}"/>
+              </a:ext>
+            </a:extLst>
+          </p:cNvPr>
+          <p:cNvSpPr/>
+          <p:nvPr/>
+        </p:nvSpPr>
+        <p:spPr>
+          <a:xfrm>
+            <a:off x="514598" y="3988854"/>
+            <a:ext cx="2790698" cy="2869145"/>
+          </a:xfrm>
+          <a:prstGeom prst="foldedCorner">
+            <a:avLst/>
+          </a:prstGeom>
+          <a:solidFill>
+            <a:schemeClr val="accent1"/>
+          </a:solidFill>
+          <a:ln>
+            <a:solidFill>
+              <a:schemeClr val="tx1"/>
+            </a:solidFill>
+          </a:ln>
+        </p:spPr>
+        <p:style>
+          <a:lnRef idx="2">
+            <a:schemeClr val="accent1">
+              <a:shade val="50000"/>
+            </a:schemeClr>
+          </a:lnRef>
+          <a:fillRef idx="1">
+            <a:schemeClr val="accent1"/>
+          </a:fillRef>
+          <a:effectRef idx="0">
+            <a:schemeClr val="accent1"/>
+          </a:effectRef>
+          <a:fontRef idx="minor">
+            <a:schemeClr val="lt1"/>
+          </a:fontRef>
+        </p:style>
+        <p:txBody>
+          <a:bodyPr rtlCol="0" anchor="ctr"/>
+          <a:lstStyle/>
+          <a:p>
+            <a:pPr algn="ctr"/>
+            <a:r>
+              <a:rPr lang="pt-BR" dirty="0"/>
+              <a:t>Eu como usuário gostaria de  </a:t>
+            </a:r>
+          </a:p>
+          <a:p>
+            <a:pPr algn="ctr"/>
+            <a:r>
+              <a:rPr lang="pt-BR" dirty="0"/>
+              <a:t>ter informações sobre o servidor</a:t>
+            </a:r>
+          </a:p>
+          <a:p>
+            <a:pPr algn="ctr"/>
+            <a:endParaRPr lang="pt-BR" dirty="0"/>
+          </a:p>
+        </p:txBody>
+      </p:sp>
+      <p:sp>
+        <p:nvSpPr>
+          <p:cNvPr id="17" name="Retângulo: Canto Dobrado 16">
+            <a:extLst>
+              <a:ext uri="{FF2B5EF4-FFF2-40B4-BE49-F238E27FC236}">
+                <a16:creationId xmlns:a16="http://schemas.microsoft.com/office/drawing/2014/main" id="{DD3451F5-A076-49DA-AA5D-634A7061DCCA}"/>
+              </a:ext>
+            </a:extLst>
+          </p:cNvPr>
+          <p:cNvSpPr/>
+          <p:nvPr/>
+        </p:nvSpPr>
+        <p:spPr>
+          <a:xfrm>
+            <a:off x="4646562" y="3988855"/>
+            <a:ext cx="2790698" cy="2869145"/>
+          </a:xfrm>
+          <a:prstGeom prst="foldedCorner">
+            <a:avLst/>
+          </a:prstGeom>
+          <a:solidFill>
+            <a:schemeClr val="accent1">
+              <a:lumMod val="75000"/>
+            </a:schemeClr>
+          </a:solidFill>
+          <a:ln>
+            <a:solidFill>
+              <a:schemeClr val="tx1"/>
+            </a:solidFill>
+          </a:ln>
+        </p:spPr>
+        <p:style>
+          <a:lnRef idx="2">
+            <a:schemeClr val="accent1">
+              <a:shade val="50000"/>
+            </a:schemeClr>
+          </a:lnRef>
+          <a:fillRef idx="1">
+            <a:schemeClr val="accent1"/>
+          </a:fillRef>
+          <a:effectRef idx="0">
+            <a:schemeClr val="accent1"/>
+          </a:effectRef>
+          <a:fontRef idx="minor">
+            <a:schemeClr val="lt1"/>
+          </a:fontRef>
+        </p:style>
+        <p:txBody>
+          <a:bodyPr rtlCol="0" anchor="ctr"/>
+          <a:lstStyle/>
+          <a:p>
+            <a:pPr algn="ctr"/>
+            <a:r>
+              <a:rPr lang="pt-BR" dirty="0"/>
+              <a:t>Eu como usuário gostaria de receber relatórios sobre o funcionamento da maquina.</a:t>
+            </a:r>
+          </a:p>
+        </p:txBody>
+      </p:sp>
+      <p:sp>
+        <p:nvSpPr>
+          <p:cNvPr id="21" name="Retângulo: Canto Dobrado 20">
+            <a:extLst>
+              <a:ext uri="{FF2B5EF4-FFF2-40B4-BE49-F238E27FC236}">
+                <a16:creationId xmlns:a16="http://schemas.microsoft.com/office/drawing/2014/main" id="{39AC6869-424D-40DD-872D-06FAB38BC9DD}"/>
+              </a:ext>
+            </a:extLst>
+          </p:cNvPr>
+          <p:cNvSpPr/>
+          <p:nvPr/>
+        </p:nvSpPr>
+        <p:spPr>
+          <a:xfrm>
+            <a:off x="8886704" y="3988853"/>
+            <a:ext cx="2790698" cy="2869145"/>
+          </a:xfrm>
+          <a:prstGeom prst="foldedCorner">
+            <a:avLst/>
+          </a:prstGeom>
+          <a:solidFill>
+            <a:schemeClr val="accent6"/>
+          </a:solidFill>
+          <a:ln>
+            <a:solidFill>
+              <a:schemeClr val="tx1"/>
+            </a:solidFill>
+          </a:ln>
+        </p:spPr>
+        <p:style>
+          <a:lnRef idx="2">
+            <a:schemeClr val="accent1">
+              <a:shade val="50000"/>
+            </a:schemeClr>
+          </a:lnRef>
+          <a:fillRef idx="1">
+            <a:schemeClr val="accent1"/>
+          </a:fillRef>
+          <a:effectRef idx="0">
+            <a:schemeClr val="accent1"/>
+          </a:effectRef>
+          <a:fontRef idx="minor">
+            <a:schemeClr val="lt1"/>
+          </a:fontRef>
+        </p:style>
+        <p:txBody>
+          <a:bodyPr rtlCol="0" anchor="ctr"/>
+          <a:lstStyle/>
+          <a:p>
+            <a:pPr algn="ctr"/>
+            <a:r>
+              <a:rPr lang="pt-BR" dirty="0"/>
+              <a:t>Eu como usuário gostaria de  poder jogar em uma maquina com pouco desempenho.</a:t>
+            </a:r>
+          </a:p>
+          <a:p>
+            <a:pPr algn="ctr"/>
+            <a:endParaRPr lang="pt-BR" dirty="0"/>
+          </a:p>
+        </p:txBody>
+      </p:sp>
+      <p:sp>
+        <p:nvSpPr>
+          <p:cNvPr id="9" name="TextBox 17">
+            <a:extLst>
+              <a:ext uri="{FF2B5EF4-FFF2-40B4-BE49-F238E27FC236}">
+                <a16:creationId xmlns:a16="http://schemas.microsoft.com/office/drawing/2014/main" id="{2862E9AB-E9B2-462D-B8CE-1DFAE631A701}"/>
+              </a:ext>
+            </a:extLst>
+          </p:cNvPr>
+          <p:cNvSpPr txBox="1"/>
+          <p:nvPr/>
+        </p:nvSpPr>
+        <p:spPr>
+          <a:xfrm>
+            <a:off x="1453933" y="-135244"/>
+            <a:ext cx="9175955" cy="1015663"/>
+          </a:xfrm>
+          <a:prstGeom prst="rect">
+            <a:avLst/>
+          </a:prstGeom>
+          <a:noFill/>
+          <a:ln>
+            <a:noFill/>
+          </a:ln>
+        </p:spPr>
+        <p:txBody>
+          <a:bodyPr wrap="square" rtlCol="0">
+            <a:spAutoFit/>
+          </a:bodyPr>
+          <a:lstStyle/>
+          <a:p>
+            <a:pPr algn="ctr"/>
+            <a:r>
+              <a:rPr lang="pt-BR" sz="3000" spc="-150" dirty="0">
+                <a:solidFill>
+                  <a:schemeClr val="accent6"/>
+                </a:solidFill>
+                <a:latin typeface="Arial" panose="020B0604020202020204" pitchFamily="34" charset="0"/>
+                <a:cs typeface="Arial" panose="020B0604020202020204" pitchFamily="34" charset="0"/>
+              </a:rPr>
+              <a:t>User Stories</a:t>
+            </a:r>
+          </a:p>
+          <a:p>
+            <a:pPr algn="ctr"/>
+            <a:r>
+              <a:rPr lang="pt-BR" sz="3000" spc="-150" dirty="0">
+                <a:solidFill>
+                  <a:schemeClr val="accent6"/>
+                </a:solidFill>
+                <a:latin typeface="Arial" panose="020B0604020202020204" pitchFamily="34" charset="0"/>
+                <a:cs typeface="Arial" panose="020B0604020202020204" pitchFamily="34" charset="0"/>
+              </a:rPr>
+              <a:t>Usuário</a:t>
+            </a:r>
+          </a:p>
+        </p:txBody>
+      </p:sp>
+    </p:spTree>
+    <p:extLst>
+      <p:ext uri="{BB962C8B-B14F-4D97-AF65-F5344CB8AC3E}">
+        <p14:creationId xmlns:p14="http://schemas.microsoft.com/office/powerpoint/2010/main" val="1994321385"/>
+      </p:ext>
+    </p:extLst>
+  </p:cSld>
+  <p:clrMapOvr>
+    <a:masterClrMapping/>
+  </p:clrMapOvr>
 </p:sld>
 </file>
 
 <file path=ppt/theme/theme1.xml><?xml version="1.0" encoding="utf-8"?>
-<a:theme xmlns:a="http://schemas.openxmlformats.org/drawingml/2006/main" name="Tema do Office">
+<a:theme xmlns:a="http://schemas.openxmlformats.org/drawingml/2006/main" name="Office Theme">
+  <a:themeElements>
+    <a:clrScheme name="slidemarket-colors-1">
+      <a:dk1>
+        <a:sysClr val="windowText" lastClr="000000"/>
+      </a:dk1>
+      <a:lt1>
+        <a:sysClr val="window" lastClr="FFFFFF"/>
+      </a:lt1>
+      <a:dk2>
+        <a:srgbClr val="1F497D"/>
+      </a:dk2>
+      <a:lt2>
+        <a:srgbClr val="EEECE1"/>
+      </a:lt2>
+      <a:accent1>
+        <a:srgbClr val="034265"/>
+      </a:accent1>
+      <a:accent2>
+        <a:srgbClr val="C02230"/>
+      </a:accent2>
+      <a:accent3>
+        <a:srgbClr val="2DBCCA"/>
+      </a:accent3>
+      <a:accent4>
+        <a:srgbClr val="791038"/>
+      </a:accent4>
+      <a:accent5>
+        <a:srgbClr val="EF8F21"/>
+      </a:accent5>
+      <a:accent6>
+        <a:srgbClr val="0090C4"/>
+      </a:accent6>
+      <a:hlink>
+        <a:srgbClr val="0000FF"/>
+      </a:hlink>
+      <a:folHlink>
+        <a:srgbClr val="800080"/>
+      </a:folHlink>
+    </a:clrScheme>
+    <a:fontScheme name="Office">
+      <a:majorFont>
+        <a:latin typeface="Calibri Light" panose="020F0302020204030204"/>
+        <a:ea typeface=""/>
+        <a:cs typeface=""/>
+        <a:font script="Jpan" typeface="游ゴシック Light"/>
+        <a:font script="Hang" typeface="맑은 고딕"/>
+        <a:font script="Hans" typeface="等线 Light"/>
+        <a:font script="Hant" typeface="新細明體"/>
+        <a:font script="Arab" typeface="Times New Roman"/>
+        <a:font script="Hebr" typeface="Times New Roman"/>
+        <a:font script="Thai" typeface="Angsana New"/>
+        <a:font script="Ethi" typeface="Nyala"/>
+        <a:font script="Beng" typeface="Vrinda"/>
+        <a:font script="Gujr" typeface="Shruti"/>
+        <a:font script="Khmr" typeface="MoolBoran"/>
+        <a:font script="Knda" typeface="Tunga"/>
+        <a:font script="Guru" typeface="Raavi"/>
+        <a:font script="Cans" typeface="Euphemia"/>
+        <a:font script="Cher" typeface="Plantagenet Cherokee"/>
+        <a:font script="Yiii" typeface="Microsoft Yi Baiti"/>
+        <a:font script="Tibt" typeface="Microsoft Himalaya"/>
+        <a:font script="Thaa" typeface="MV Boli"/>
+        <a:font script="Deva" typeface="Mangal"/>
+        <a:font script="Telu" typeface="Gautami"/>
+        <a:font script="Taml" typeface="Latha"/>
+        <a:font script="Syrc" typeface="Estrangelo Edessa"/>
+        <a:font script="Orya" typeface="Kalinga"/>
+        <a:font script="Mlym" typeface="Kartika"/>
+        <a:font script="Laoo" typeface="DokChampa"/>
+        <a:font script="Sinh" typeface="Iskoola Pota"/>
+        <a:font script="Mong" typeface="Mongolian Baiti"/>
+        <a:font script="Viet" typeface="Times New Roman"/>
+        <a:font script="Uigh" typeface="Microsoft Uighur"/>
+        <a:font script="Geor" typeface="Sylfaen"/>
+      </a:majorFont>
+      <a:minorFont>
+        <a:latin typeface="Calibri" panose="020F0502020204030204"/>
+        <a:ea typeface=""/>
+        <a:cs typeface=""/>
+        <a:font script="Jpan" typeface="游ゴシック"/>
+        <a:font script="Hang" typeface="맑은 고딕"/>
+        <a:font script="Hans" typeface="等线"/>
+        <a:font script="Hant" typeface="新細明體"/>
+        <a:font script="Arab" typeface="Arial"/>
+        <a:font script="Hebr" typeface="Arial"/>
+        <a:font script="Thai" typeface="Cordia New"/>
+        <a:font script="Ethi" typeface="Nyala"/>
+        <a:font script="Beng" typeface="Vrinda"/>
+        <a:font script="Gujr" typeface="Shruti"/>
+        <a:font script="Khmr" typeface="DaunPenh"/>
+        <a:font script="Knda" typeface="Tunga"/>
+        <a:font script="Guru" typeface="Raavi"/>
+        <a:font script="Cans" typeface="Euphemia"/>
+        <a:font script="Cher" typeface="Plantagenet Cherokee"/>
+        <a:font script="Yiii" typeface="Microsoft Yi Baiti"/>
+        <a:font script="Tibt" typeface="Microsoft Himalaya"/>
+        <a:font script="Thaa" typeface="MV Boli"/>
+        <a:font script="Deva" typeface="Mangal"/>
+        <a:font script="Telu" typeface="Gautami"/>
+        <a:font script="Taml" typeface="Latha"/>
+        <a:font script="Syrc" typeface="Estrangelo Edessa"/>
+        <a:font script="Orya" typeface="Kalinga"/>
+        <a:font script="Mlym" typeface="Kartika"/>
+        <a:font script="Laoo" typeface="DokChampa"/>
+        <a:font script="Sinh" typeface="Iskoola Pota"/>
+        <a:font script="Mong" typeface="Mongolian Baiti"/>
+        <a:font script="Viet" typeface="Arial"/>
+        <a:font script="Uigh" typeface="Microsoft Uighur"/>
+        <a:font script="Geor" typeface="Sylfaen"/>
+      </a:minorFont>
+    </a:fontScheme>
+    <a:fmtScheme name="Office">
+      <a:fillStyleLst>
+        <a:solidFill>
+          <a:schemeClr val="phClr"/>
+        </a:solidFill>
+        <a:gradFill rotWithShape="1">
+          <a:gsLst>
+            <a:gs pos="0">
+              <a:schemeClr val="phClr">
+                <a:lumMod val="110000"/>
+                <a:satMod val="105000"/>
+                <a:tint val="67000"/>
+              </a:schemeClr>
+            </a:gs>
+            <a:gs pos="50000">
+              <a:schemeClr val="phClr">
+                <a:lumMod val="105000"/>
+                <a:satMod val="103000"/>
+                <a:tint val="73000"/>
+              </a:schemeClr>
+            </a:gs>
+            <a:gs pos="100000">
+              <a:schemeClr val="phClr">
+                <a:lumMod val="105000"/>
+                <a:satMod val="109000"/>
+                <a:tint val="81000"/>
+              </a:schemeClr>
+            </a:gs>
+          </a:gsLst>
+          <a:lin ang="5400000" scaled="0"/>
+        </a:gradFill>
+        <a:gradFill rotWithShape="1">
+          <a:gsLst>
+            <a:gs pos="0">
+              <a:schemeClr val="phClr">
+                <a:satMod val="103000"/>
+                <a:lumMod val="102000"/>
+                <a:tint val="94000"/>
+              </a:schemeClr>
+            </a:gs>
+            <a:gs pos="50000">
+              <a:schemeClr val="phClr">
+                <a:satMod val="110000"/>
+                <a:lumMod val="100000"/>
+                <a:shade val="100000"/>
+              </a:schemeClr>
+            </a:gs>
+            <a:gs pos="100000">
+              <a:schemeClr val="phClr">
+                <a:lumMod val="99000"/>
+                <a:satMod val="120000"/>
+                <a:shade val="78000"/>
+              </a:schemeClr>
+            </a:gs>
+          </a:gsLst>
+          <a:lin ang="5400000" scaled="0"/>
+        </a:gradFill>
+      </a:fillStyleLst>
+      <a:lnStyleLst>
+        <a:ln w="6350" cap="flat" cmpd="sng" algn="ctr">
+          <a:solidFill>
+            <a:schemeClr val="phClr"/>
+          </a:solidFill>
+          <a:prstDash val="solid"/>
+          <a:miter lim="800000"/>
+        </a:ln>
+        <a:ln w="12700" cap="flat" cmpd="sng" algn="ctr">
+          <a:solidFill>
+            <a:schemeClr val="phClr"/>
+          </a:solidFill>
+          <a:prstDash val="solid"/>
+          <a:miter lim="800000"/>
+        </a:ln>
+        <a:ln w="19050" cap="flat" cmpd="sng" algn="ctr">
+          <a:solidFill>
+            <a:schemeClr val="phClr"/>
+          </a:solidFill>
+          <a:prstDash val="solid"/>
+          <a:miter lim="800000"/>
+        </a:ln>
+      </a:lnStyleLst>
+      <a:effectStyleLst>
+        <a:effectStyle>
+          <a:effectLst/>
+        </a:effectStyle>
+        <a:effectStyle>
+          <a:effectLst/>
+        </a:effectStyle>
+        <a:effectStyle>
+          <a:effectLst>
+            <a:outerShdw blurRad="57150" dist="19050" dir="5400000" algn="ctr" rotWithShape="0">
+              <a:srgbClr val="000000">
+                <a:alpha val="63000"/>
+              </a:srgbClr>
+            </a:outerShdw>
+          </a:effectLst>
+        </a:effectStyle>
+      </a:effectStyleLst>
+      <a:bgFillStyleLst>
+        <a:solidFill>
+          <a:schemeClr val="phClr"/>
+        </a:solidFill>
+        <a:solidFill>
+          <a:schemeClr val="phClr">
+            <a:tint val="95000"/>
+            <a:satMod val="170000"/>
+          </a:schemeClr>
+        </a:solidFill>
+        <a:gradFill rotWithShape="1">
+          <a:gsLst>
+            <a:gs pos="0">
+              <a:schemeClr val="phClr">
+                <a:tint val="93000"/>
+                <a:satMod val="150000"/>
+                <a:shade val="98000"/>
+                <a:lumMod val="102000"/>
+              </a:schemeClr>
+            </a:gs>
+            <a:gs pos="50000">
+              <a:schemeClr val="phClr">
+                <a:tint val="98000"/>
+                <a:satMod val="130000"/>
+                <a:shade val="90000"/>
+                <a:lumMod val="103000"/>
+              </a:schemeClr>
+            </a:gs>
+            <a:gs pos="100000">
+              <a:schemeClr val="phClr">
+                <a:shade val="63000"/>
+                <a:satMod val="120000"/>
+              </a:schemeClr>
+            </a:gs>
+          </a:gsLst>
+          <a:lin ang="5400000" scaled="0"/>
+        </a:gradFill>
+      </a:bgFillStyleLst>
+    </a:fmtScheme>
+  </a:themeElements>
+  <a:objectDefaults/>
+  <a:extraClrSchemeLst/>
+  <a:extLst>
+    <a:ext uri="{05A4C25C-085E-4340-85A3-A5531E510DB2}">
+      <thm15:themeFamily xmlns:thm15="http://schemas.microsoft.com/office/thememl/2012/main" name="Office Theme" id="{62F939B6-93AF-4DB8-9C6B-D6C7DFDC589F}" vid="{4A3C46E8-61CC-4603-A589-7422A47A8E4A}"/>
+    </a:ext>
+  </a:extLst>
+</a:theme>
+</file>
+
+<file path=ppt/theme/theme2.xml><?xml version="1.0" encoding="utf-8"?>
+<a:theme xmlns:a="http://schemas.openxmlformats.org/drawingml/2006/main" name="Office Theme">
   <a:themeElements>
     <a:clrScheme name="Office">
       <a:dk1>

--- a/documentacao/user-stories.pptx
+++ b/documentacao/user-stories.pptx
@@ -3732,6 +3732,13 @@
   <p:clrMapOvr>
     <a:masterClrMapping/>
   </p:clrMapOvr>
+  <p:timing>
+    <p:tnLst>
+      <p:par>
+        <p:cTn id="1" dur="indefinite" restart="never" nodeType="tmRoot"/>
+      </p:par>
+    </p:tnLst>
+  </p:timing>
 </p:sld>
 </file>
 
@@ -3806,8 +3813,13 @@
             <a:pPr algn="ctr"/>
             <a:r>
               <a:rPr lang="pt-BR" dirty="0"/>
-              <a:t>Eu como usuário gostaria de jogar partidas sem hackers</a:t>
-            </a:r>
+              <a:t>Eu como usuário gostaria de jogar partidas sem </a:t>
+            </a:r>
+            <a:r>
+              <a:rPr lang="pt-BR" dirty="0" smtClean="0"/>
+              <a:t>hackers.</a:t>
+            </a:r>
+            <a:endParaRPr lang="pt-BR" dirty="0"/>
           </a:p>
           <a:p>
             <a:pPr algn="ctr"/>
@@ -3867,8 +3879,13 @@
             <a:pPr algn="ctr"/>
             <a:r>
               <a:rPr lang="pt-BR" dirty="0"/>
-              <a:t>Eu como usuário gostaria de jogar sem latência em partidas online</a:t>
-            </a:r>
+              <a:t>Eu como usuário gostaria de jogar sem latência em partidas </a:t>
+            </a:r>
+            <a:r>
+              <a:rPr lang="pt-BR" dirty="0" smtClean="0"/>
+              <a:t>online.</a:t>
+            </a:r>
+            <a:endParaRPr lang="pt-BR" dirty="0"/>
           </a:p>
           <a:p>
             <a:pPr algn="ctr"/>
@@ -4003,8 +4020,13 @@
             <a:pPr algn="ctr"/>
             <a:r>
               <a:rPr lang="pt-BR" dirty="0"/>
-              <a:t>ter informações sobre o servidor</a:t>
-            </a:r>
+              <a:t>ter informações sobre o </a:t>
+            </a:r>
+            <a:r>
+              <a:rPr lang="pt-BR" dirty="0" smtClean="0"/>
+              <a:t>servidor.</a:t>
+            </a:r>
+            <a:endParaRPr lang="pt-BR" dirty="0"/>
           </a:p>
           <a:p>
             <a:pPr algn="ctr"/>
@@ -4066,8 +4088,21 @@
             <a:pPr algn="ctr"/>
             <a:r>
               <a:rPr lang="pt-BR" dirty="0"/>
-              <a:t>Eu como usuário gostaria de receber relatórios sobre o funcionamento da maquina.</a:t>
-            </a:r>
+              <a:t>Eu como usuário gostaria de receber relatórios sobre o </a:t>
+            </a:r>
+            <a:r>
+              <a:rPr lang="pt-BR" dirty="0" smtClean="0"/>
+              <a:t>desempenho </a:t>
+            </a:r>
+            <a:r>
+              <a:rPr lang="pt-BR" dirty="0"/>
+              <a:t>da </a:t>
+            </a:r>
+            <a:r>
+              <a:rPr lang="pt-BR" dirty="0" smtClean="0"/>
+              <a:t>maquina em tempo real.</a:t>
+            </a:r>
+            <a:endParaRPr lang="pt-BR" dirty="0"/>
           </a:p>
         </p:txBody>
       </p:sp>
@@ -4123,7 +4158,19 @@
             <a:pPr algn="ctr"/>
             <a:r>
               <a:rPr lang="pt-BR" dirty="0"/>
-              <a:t>Eu como usuário gostaria de  poder jogar em uma maquina com pouco desempenho.</a:t>
+              <a:t>Eu como usuário gostaria de  poder jogar em uma maquina com </a:t>
+            </a:r>
+            <a:r>
+              <a:rPr lang="pt-BR" dirty="0" smtClean="0"/>
+              <a:t>melhor </a:t>
+            </a:r>
+            <a:r>
+              <a:rPr lang="pt-BR" dirty="0" smtClean="0"/>
+              <a:t>desempenho</a:t>
+            </a:r>
+            <a:r>
+              <a:rPr lang="pt-BR" dirty="0"/>
+              <a:t>.</a:t>
             </a:r>
           </a:p>
           <a:p>
@@ -4200,6 +4247,13 @@
   <p:clrMapOvr>
     <a:masterClrMapping/>
   </p:clrMapOvr>
+  <p:timing>
+    <p:tnLst>
+      <p:par>
+        <p:cTn id="1" dur="indefinite" restart="never" nodeType="tmRoot"/>
+      </p:par>
+    </p:tnLst>
+  </p:timing>
 </p:sld>
 </file>
 
